--- a/Презентация 5.pptx
+++ b/Презентация 5.pptx
@@ -10,12 +10,17 @@
     <p:sldId id="258" r:id="rId4"/>
     <p:sldId id="259" r:id="rId5"/>
     <p:sldId id="260" r:id="rId6"/>
-    <p:sldId id="267" r:id="rId7"/>
-    <p:sldId id="261" r:id="rId8"/>
-    <p:sldId id="262" r:id="rId9"/>
-    <p:sldId id="265" r:id="rId10"/>
-    <p:sldId id="266" r:id="rId11"/>
-    <p:sldId id="264" r:id="rId12"/>
+    <p:sldId id="268" r:id="rId7"/>
+    <p:sldId id="269" r:id="rId8"/>
+    <p:sldId id="267" r:id="rId9"/>
+    <p:sldId id="261" r:id="rId10"/>
+    <p:sldId id="270" r:id="rId11"/>
+    <p:sldId id="272" r:id="rId12"/>
+    <p:sldId id="275" r:id="rId13"/>
+    <p:sldId id="273" r:id="rId14"/>
+    <p:sldId id="274" r:id="rId15"/>
+    <p:sldId id="276" r:id="rId16"/>
+    <p:sldId id="264" r:id="rId17"/>
   </p:sldIdLst>
   <p:sldSz cx="12192000" cy="6858000"/>
   <p:notesSz cx="6858000" cy="9144000"/>
@@ -300,7 +305,7 @@
             <a:fld id="{87DE6118-2437-4B30-8E3C-4D2BE6020583}" type="datetimeFigureOut">
               <a:rPr lang="en-US" dirty="0"/>
               <a:pPr/>
-              <a:t>6/2/2020</a:t>
+              <a:t>12/28/2020</a:t>
             </a:fld>
             <a:endParaRPr lang="en-US" dirty="0"/>
           </a:p>
@@ -626,7 +631,7 @@
           <a:p>
             <a:fld id="{87DE6118-2437-4B30-8E3C-4D2BE6020583}" type="datetimeFigureOut">
               <a:rPr lang="en-US" dirty="0"/>
-              <a:t>6/2/2020</a:t>
+              <a:t>12/28/2020</a:t>
             </a:fld>
             <a:endParaRPr lang="en-US" dirty="0"/>
           </a:p>
@@ -801,7 +806,7 @@
           <a:p>
             <a:fld id="{87DE6118-2437-4B30-8E3C-4D2BE6020583}" type="datetimeFigureOut">
               <a:rPr lang="en-US" dirty="0"/>
-              <a:t>6/2/2020</a:t>
+              <a:t>12/28/2020</a:t>
             </a:fld>
             <a:endParaRPr lang="en-US" dirty="0"/>
           </a:p>
@@ -966,7 +971,7 @@
           <a:p>
             <a:fld id="{87DE6118-2437-4B30-8E3C-4D2BE6020583}" type="datetimeFigureOut">
               <a:rPr lang="en-US" dirty="0"/>
-              <a:t>6/2/2020</a:t>
+              <a:t>12/28/2020</a:t>
             </a:fld>
             <a:endParaRPr lang="en-US" dirty="0"/>
           </a:p>
@@ -1239,7 +1244,7 @@
             <a:fld id="{87DE6118-2437-4B30-8E3C-4D2BE6020583}" type="datetimeFigureOut">
               <a:rPr lang="en-US" dirty="0"/>
               <a:pPr/>
-              <a:t>6/2/2020</a:t>
+              <a:t>12/28/2020</a:t>
             </a:fld>
             <a:endParaRPr lang="en-US" dirty="0"/>
           </a:p>
@@ -1629,7 +1634,7 @@
           <a:p>
             <a:fld id="{87DE6118-2437-4B30-8E3C-4D2BE6020583}" type="datetimeFigureOut">
               <a:rPr lang="en-US" dirty="0"/>
-              <a:t>6/2/2020</a:t>
+              <a:t>12/28/2020</a:t>
             </a:fld>
             <a:endParaRPr lang="en-US" dirty="0"/>
           </a:p>
@@ -2101,7 +2106,7 @@
           <a:p>
             <a:fld id="{87DE6118-2437-4B30-8E3C-4D2BE6020583}" type="datetimeFigureOut">
               <a:rPr lang="en-US" dirty="0"/>
-              <a:t>6/2/2020</a:t>
+              <a:t>12/28/2020</a:t>
             </a:fld>
             <a:endParaRPr lang="en-US" dirty="0"/>
           </a:p>
@@ -2214,7 +2219,7 @@
           <a:p>
             <a:fld id="{87DE6118-2437-4B30-8E3C-4D2BE6020583}" type="datetimeFigureOut">
               <a:rPr lang="en-US" dirty="0"/>
-              <a:t>6/2/2020</a:t>
+              <a:t>12/28/2020</a:t>
             </a:fld>
             <a:endParaRPr lang="en-US" dirty="0"/>
           </a:p>
@@ -2304,7 +2309,7 @@
           <a:p>
             <a:fld id="{87DE6118-2437-4B30-8E3C-4D2BE6020583}" type="datetimeFigureOut">
               <a:rPr lang="en-US" dirty="0"/>
-              <a:t>6/2/2020</a:t>
+              <a:t>12/28/2020</a:t>
             </a:fld>
             <a:endParaRPr lang="en-US" dirty="0"/>
           </a:p>
@@ -2646,7 +2651,7 @@
             <a:fld id="{87DE6118-2437-4B30-8E3C-4D2BE6020583}" type="datetimeFigureOut">
               <a:rPr lang="en-US" dirty="0"/>
               <a:pPr/>
-              <a:t>6/2/2020</a:t>
+              <a:t>12/28/2020</a:t>
             </a:fld>
             <a:endParaRPr lang="en-US" dirty="0"/>
           </a:p>
@@ -3031,7 +3036,7 @@
             <a:fld id="{87DE6118-2437-4B30-8E3C-4D2BE6020583}" type="datetimeFigureOut">
               <a:rPr lang="en-US" dirty="0"/>
               <a:pPr/>
-              <a:t>6/2/2020</a:t>
+              <a:t>12/28/2020</a:t>
             </a:fld>
             <a:endParaRPr lang="en-US" dirty="0"/>
           </a:p>
@@ -3306,7 +3311,7 @@
             <a:fld id="{87DE6118-2437-4B30-8E3C-4D2BE6020583}" type="datetimeFigureOut">
               <a:rPr lang="en-US" dirty="0"/>
               <a:pPr/>
-              <a:t>6/2/2020</a:t>
+              <a:t>12/28/2020</a:t>
             </a:fld>
             <a:endParaRPr lang="en-US" dirty="0"/>
           </a:p>
@@ -3826,8 +3831,8 @@
         </p:nvSpPr>
         <p:spPr>
           <a:xfrm>
-            <a:off x="2372328" y="1878101"/>
-            <a:ext cx="7446828" cy="1309332"/>
+            <a:off x="2397267" y="1670858"/>
+            <a:ext cx="7446828" cy="2048589"/>
           </a:xfrm>
         </p:spPr>
         <p:txBody>
@@ -3835,20 +3840,20 @@
           <a:lstStyle/>
           <a:p>
             <a:r>
-              <a:rPr lang="en-US" sz="2800" b="1" dirty="0">
+              <a:rPr lang="ru-RU" sz="2800" b="1" dirty="0">
                 <a:ea typeface="+mj-lt"/>
                 <a:cs typeface="+mj-lt"/>
               </a:rPr>
-              <a:t>ИЗМЕРЕНИЕ ПАРАМЕТРОВ ДВИЖЕНИЯ С ИСПОЛЬЗОВАНИЕМ ЦИФРОВЫХ ИНЕРЦИАЛЬНЫХ ДАТЧИКОВ</a:t>
-            </a:r>
-            <a:r>
-              <a:rPr lang="en-US" sz="2800" dirty="0">
+              <a:t>СРАВНЕНИЕ ВЫЧИСЛИТЕЛЬНОЙ ЭФФЕКТИВНОСТИ АЛГОРИТМОВ ПОИСКА ЦЕНТРА ПЯТНА ОСВЕЩЁННОСТИ КМОП-МАТРИЦЫ ДАТЧИКА НАПРАВЛЕНИЯ НА СОЛНЦЕ</a:t>
+            </a:r>
+            <a:r>
+              <a:rPr lang="en-US" sz="2800" dirty="0" smtClean="0">
                 <a:ea typeface="+mj-lt"/>
                 <a:cs typeface="+mj-lt"/>
               </a:rPr>
               <a:t> </a:t>
             </a:r>
-            <a:endParaRPr lang="ru-RU" sz="2800"/>
+            <a:endParaRPr lang="ru-RU" sz="2800" dirty="0"/>
           </a:p>
         </p:txBody>
       </p:sp>
@@ -3889,7 +3894,11 @@
             </a:r>
             <a:r>
               <a:rPr lang="en-US" dirty="0"/>
-              <a:t> 3 </a:t>
+              <a:t> </a:t>
+            </a:r>
+            <a:r>
+              <a:rPr lang="en-US" dirty="0" smtClean="0"/>
+              <a:t>4 </a:t>
             </a:r>
             <a:r>
               <a:rPr lang="en-US" dirty="0" err="1"/>
@@ -4045,30 +4054,75 @@
           <a:chExt cx="0" cy="0"/>
         </a:xfrm>
       </p:grpSpPr>
+      <p:sp>
+        <p:nvSpPr>
+          <p:cNvPr id="2" name="Заголовок 1"/>
+          <p:cNvSpPr>
+            <a:spLocks noGrp="1"/>
+          </p:cNvSpPr>
+          <p:nvPr>
+            <p:ph type="title"/>
+          </p:nvPr>
+        </p:nvSpPr>
+        <p:spPr>
+          <a:xfrm>
+            <a:off x="1371600" y="594360"/>
+            <a:ext cx="9601200" cy="818804"/>
+          </a:xfrm>
+        </p:spPr>
+        <p:txBody>
+          <a:bodyPr/>
+          <a:lstStyle/>
+          <a:p>
+            <a:r>
+              <a:rPr lang="en-US" dirty="0" smtClean="0"/>
+              <a:t>Brut Force = 948.949s | 360 960 000</a:t>
+            </a:r>
+            <a:endParaRPr lang="ru-RU" dirty="0"/>
+          </a:p>
+        </p:txBody>
+      </p:sp>
       <p:pic>
         <p:nvPicPr>
-          <p:cNvPr id="4" name="Рисунок 4" descr="Изображение выглядит как катается на лыжах, лодка, вода, мужчина&#10;&#10;Описание создано с очень высокой степенью достоверности">
-            <a:extLst>
-              <a:ext uri="{FF2B5EF4-FFF2-40B4-BE49-F238E27FC236}">
-                <a16:creationId xmlns:a16="http://schemas.microsoft.com/office/drawing/2014/main" id="{C4C29A9B-1244-4C64-BE75-BEDA2C0C4099}"/>
-              </a:ext>
-            </a:extLst>
-          </p:cNvPr>
+          <p:cNvPr id="4" name="Рисунок 3"/>
+          <p:cNvPicPr>
+            <a:picLocks noChangeAspect="1"/>
+          </p:cNvPicPr>
+          <p:nvPr/>
+        </p:nvPicPr>
+        <p:blipFill rotWithShape="1">
+          <a:blip r:embed="rId2"/>
+          <a:srcRect t="28922"/>
+          <a:stretch/>
+        </p:blipFill>
+        <p:spPr>
+          <a:xfrm>
+            <a:off x="1371600" y="1333930"/>
+            <a:ext cx="6837131" cy="3615925"/>
+          </a:xfrm>
+          <a:prstGeom prst="rect">
+            <a:avLst/>
+          </a:prstGeom>
+        </p:spPr>
+      </p:pic>
+      <p:pic>
+        <p:nvPicPr>
+          <p:cNvPr id="5" name="Рисунок 4"/>
           <p:cNvPicPr>
             <a:picLocks noChangeAspect="1"/>
           </p:cNvPicPr>
           <p:nvPr/>
         </p:nvPicPr>
         <p:blipFill>
-          <a:blip r:embed="rId2"/>
+          <a:blip r:embed="rId3"/>
           <a:stretch>
             <a:fillRect/>
           </a:stretch>
         </p:blipFill>
         <p:spPr>
           <a:xfrm>
-            <a:off x="1025912" y="1227825"/>
-            <a:ext cx="10660565" cy="4393057"/>
+            <a:off x="1371600" y="5070127"/>
+            <a:ext cx="5205240" cy="1520307"/>
           </a:xfrm>
           <a:prstGeom prst="rect">
             <a:avLst/>
@@ -4078,7 +4132,7 @@
     </p:spTree>
     <p:extLst>
       <p:ext uri="{BB962C8B-B14F-4D97-AF65-F5344CB8AC3E}">
-        <p14:creationId xmlns:p14="http://schemas.microsoft.com/office/powerpoint/2010/main" val="2632091729"/>
+        <p14:creationId xmlns:p14="http://schemas.microsoft.com/office/powerpoint/2010/main" val="830399834"/>
       </p:ext>
     </p:extLst>
   </p:cSld>
@@ -4107,6 +4161,444 @@
       </p:grpSpPr>
       <p:sp>
         <p:nvSpPr>
+          <p:cNvPr id="2" name="Заголовок 1"/>
+          <p:cNvSpPr>
+            <a:spLocks noGrp="1"/>
+          </p:cNvSpPr>
+          <p:nvPr>
+            <p:ph type="title"/>
+          </p:nvPr>
+        </p:nvSpPr>
+        <p:spPr>
+          <a:xfrm>
+            <a:off x="1371600" y="594360"/>
+            <a:ext cx="9601200" cy="818804"/>
+          </a:xfrm>
+        </p:spPr>
+        <p:txBody>
+          <a:bodyPr/>
+          <a:lstStyle/>
+          <a:p>
+            <a:r>
+              <a:rPr lang="en-US" dirty="0" smtClean="0"/>
+              <a:t>Rand= 72.540s</a:t>
+            </a:r>
+            <a:endParaRPr lang="ru-RU" dirty="0"/>
+          </a:p>
+        </p:txBody>
+      </p:sp>
+      <p:pic>
+        <p:nvPicPr>
+          <p:cNvPr id="3" name="Рисунок 2"/>
+          <p:cNvPicPr>
+            <a:picLocks noChangeAspect="1"/>
+          </p:cNvPicPr>
+          <p:nvPr/>
+        </p:nvPicPr>
+        <p:blipFill>
+          <a:blip r:embed="rId2"/>
+          <a:stretch>
+            <a:fillRect/>
+          </a:stretch>
+        </p:blipFill>
+        <p:spPr>
+          <a:xfrm>
+            <a:off x="1371601" y="1306411"/>
+            <a:ext cx="6134792" cy="3237396"/>
+          </a:xfrm>
+          <a:prstGeom prst="rect">
+            <a:avLst/>
+          </a:prstGeom>
+        </p:spPr>
+      </p:pic>
+      <p:pic>
+        <p:nvPicPr>
+          <p:cNvPr id="6" name="Рисунок 5"/>
+          <p:cNvPicPr>
+            <a:picLocks noChangeAspect="1"/>
+          </p:cNvPicPr>
+          <p:nvPr/>
+        </p:nvPicPr>
+        <p:blipFill>
+          <a:blip r:embed="rId3"/>
+          <a:stretch>
+            <a:fillRect/>
+          </a:stretch>
+        </p:blipFill>
+        <p:spPr>
+          <a:xfrm>
+            <a:off x="1371600" y="4632740"/>
+            <a:ext cx="5475402" cy="1967637"/>
+          </a:xfrm>
+          <a:prstGeom prst="rect">
+            <a:avLst/>
+          </a:prstGeom>
+        </p:spPr>
+      </p:pic>
+    </p:spTree>
+    <p:extLst>
+      <p:ext uri="{BB962C8B-B14F-4D97-AF65-F5344CB8AC3E}">
+        <p14:creationId xmlns:p14="http://schemas.microsoft.com/office/powerpoint/2010/main" val="59098058"/>
+      </p:ext>
+    </p:extLst>
+  </p:cSld>
+  <p:clrMapOvr>
+    <a:masterClrMapping/>
+  </p:clrMapOvr>
+</p:sld>
+</file>
+
+<file path=ppt/slides/slide12.xml><?xml version="1.0" encoding="utf-8"?>
+<p:sld xmlns:a="http://schemas.openxmlformats.org/drawingml/2006/main" xmlns:r="http://schemas.openxmlformats.org/officeDocument/2006/relationships" xmlns:p="http://schemas.openxmlformats.org/presentationml/2006/main">
+  <p:cSld>
+    <p:spTree>
+      <p:nvGrpSpPr>
+        <p:cNvPr id="1" name=""/>
+        <p:cNvGrpSpPr/>
+        <p:nvPr/>
+      </p:nvGrpSpPr>
+      <p:grpSpPr>
+        <a:xfrm>
+          <a:off x="0" y="0"/>
+          <a:ext cx="0" cy="0"/>
+          <a:chOff x="0" y="0"/>
+          <a:chExt cx="0" cy="0"/>
+        </a:xfrm>
+      </p:grpSpPr>
+      <p:sp>
+        <p:nvSpPr>
+          <p:cNvPr id="11" name="Заголовок 10"/>
+          <p:cNvSpPr>
+            <a:spLocks noGrp="1"/>
+          </p:cNvSpPr>
+          <p:nvPr>
+            <p:ph type="title"/>
+          </p:nvPr>
+        </p:nvSpPr>
+        <p:spPr>
+          <a:xfrm>
+            <a:off x="1371600" y="685800"/>
+            <a:ext cx="2244436" cy="676185"/>
+          </a:xfrm>
+        </p:spPr>
+        <p:txBody>
+          <a:bodyPr>
+            <a:normAutofit fontScale="90000"/>
+          </a:bodyPr>
+          <a:lstStyle/>
+          <a:p>
+            <a:r>
+              <a:rPr lang="en-US" dirty="0" smtClean="0"/>
+              <a:t>Overall+</a:t>
+            </a:r>
+            <a:endParaRPr lang="ru-RU" dirty="0"/>
+          </a:p>
+        </p:txBody>
+      </p:sp>
+      <p:pic>
+        <p:nvPicPr>
+          <p:cNvPr id="2" name="Рисунок 1"/>
+          <p:cNvPicPr>
+            <a:picLocks noChangeAspect="1"/>
+          </p:cNvPicPr>
+          <p:nvPr/>
+        </p:nvPicPr>
+        <p:blipFill>
+          <a:blip r:embed="rId2"/>
+          <a:stretch>
+            <a:fillRect/>
+          </a:stretch>
+        </p:blipFill>
+        <p:spPr>
+          <a:xfrm>
+            <a:off x="1371600" y="1430740"/>
+            <a:ext cx="8156842" cy="4595987"/>
+          </a:xfrm>
+          <a:prstGeom prst="rect">
+            <a:avLst/>
+          </a:prstGeom>
+        </p:spPr>
+      </p:pic>
+    </p:spTree>
+    <p:extLst>
+      <p:ext uri="{BB962C8B-B14F-4D97-AF65-F5344CB8AC3E}">
+        <p14:creationId xmlns:p14="http://schemas.microsoft.com/office/powerpoint/2010/main" val="2994783093"/>
+      </p:ext>
+    </p:extLst>
+  </p:cSld>
+  <p:clrMapOvr>
+    <a:masterClrMapping/>
+  </p:clrMapOvr>
+</p:sld>
+</file>
+
+<file path=ppt/slides/slide13.xml><?xml version="1.0" encoding="utf-8"?>
+<p:sld xmlns:a="http://schemas.openxmlformats.org/drawingml/2006/main" xmlns:r="http://schemas.openxmlformats.org/officeDocument/2006/relationships" xmlns:p="http://schemas.openxmlformats.org/presentationml/2006/main">
+  <p:cSld>
+    <p:spTree>
+      <p:nvGrpSpPr>
+        <p:cNvPr id="1" name=""/>
+        <p:cNvGrpSpPr/>
+        <p:nvPr/>
+      </p:nvGrpSpPr>
+      <p:grpSpPr>
+        <a:xfrm>
+          <a:off x="0" y="0"/>
+          <a:ext cx="0" cy="0"/>
+          <a:chOff x="0" y="0"/>
+          <a:chExt cx="0" cy="0"/>
+        </a:xfrm>
+      </p:grpSpPr>
+      <p:sp>
+        <p:nvSpPr>
+          <p:cNvPr id="2" name="Заголовок 1"/>
+          <p:cNvSpPr>
+            <a:spLocks noGrp="1"/>
+          </p:cNvSpPr>
+          <p:nvPr>
+            <p:ph type="title"/>
+          </p:nvPr>
+        </p:nvSpPr>
+        <p:spPr>
+          <a:xfrm>
+            <a:off x="1371600" y="594360"/>
+            <a:ext cx="9601200" cy="818804"/>
+          </a:xfrm>
+        </p:spPr>
+        <p:txBody>
+          <a:bodyPr/>
+          <a:lstStyle/>
+          <a:p>
+            <a:r>
+              <a:rPr lang="en-US" dirty="0"/>
+              <a:t>Brut </a:t>
+            </a:r>
+            <a:r>
+              <a:rPr lang="en-US" dirty="0" smtClean="0"/>
+              <a:t>Force+ </a:t>
+            </a:r>
+            <a:r>
+              <a:rPr lang="en-US" dirty="0"/>
+              <a:t>= </a:t>
+            </a:r>
+            <a:r>
+              <a:rPr lang="en-US" dirty="0" smtClean="0"/>
+              <a:t>535.417s | 208 981 920</a:t>
+            </a:r>
+            <a:endParaRPr lang="ru-RU" dirty="0"/>
+          </a:p>
+        </p:txBody>
+      </p:sp>
+      <p:pic>
+        <p:nvPicPr>
+          <p:cNvPr id="4" name="Рисунок 3"/>
+          <p:cNvPicPr>
+            <a:picLocks noChangeAspect="1"/>
+          </p:cNvPicPr>
+          <p:nvPr/>
+        </p:nvPicPr>
+        <p:blipFill>
+          <a:blip r:embed="rId2"/>
+          <a:stretch>
+            <a:fillRect/>
+          </a:stretch>
+        </p:blipFill>
+        <p:spPr>
+          <a:xfrm>
+            <a:off x="1371600" y="1413164"/>
+            <a:ext cx="6384175" cy="3263249"/>
+          </a:xfrm>
+          <a:prstGeom prst="rect">
+            <a:avLst/>
+          </a:prstGeom>
+        </p:spPr>
+      </p:pic>
+      <p:pic>
+        <p:nvPicPr>
+          <p:cNvPr id="5" name="Рисунок 4"/>
+          <p:cNvPicPr>
+            <a:picLocks noChangeAspect="1"/>
+          </p:cNvPicPr>
+          <p:nvPr/>
+        </p:nvPicPr>
+        <p:blipFill>
+          <a:blip r:embed="rId3"/>
+          <a:stretch>
+            <a:fillRect/>
+          </a:stretch>
+        </p:blipFill>
+        <p:spPr>
+          <a:xfrm>
+            <a:off x="7248698" y="4012149"/>
+            <a:ext cx="4385743" cy="2483549"/>
+          </a:xfrm>
+          <a:prstGeom prst="rect">
+            <a:avLst/>
+          </a:prstGeom>
+        </p:spPr>
+      </p:pic>
+    </p:spTree>
+    <p:extLst>
+      <p:ext uri="{BB962C8B-B14F-4D97-AF65-F5344CB8AC3E}">
+        <p14:creationId xmlns:p14="http://schemas.microsoft.com/office/powerpoint/2010/main" val="124735640"/>
+      </p:ext>
+    </p:extLst>
+  </p:cSld>
+  <p:clrMapOvr>
+    <a:masterClrMapping/>
+  </p:clrMapOvr>
+</p:sld>
+</file>
+
+<file path=ppt/slides/slide14.xml><?xml version="1.0" encoding="utf-8"?>
+<p:sld xmlns:a="http://schemas.openxmlformats.org/drawingml/2006/main" xmlns:r="http://schemas.openxmlformats.org/officeDocument/2006/relationships" xmlns:p="http://schemas.openxmlformats.org/presentationml/2006/main">
+  <p:cSld>
+    <p:spTree>
+      <p:nvGrpSpPr>
+        <p:cNvPr id="1" name=""/>
+        <p:cNvGrpSpPr/>
+        <p:nvPr/>
+      </p:nvGrpSpPr>
+      <p:grpSpPr>
+        <a:xfrm>
+          <a:off x="0" y="0"/>
+          <a:ext cx="0" cy="0"/>
+          <a:chOff x="0" y="0"/>
+          <a:chExt cx="0" cy="0"/>
+        </a:xfrm>
+      </p:grpSpPr>
+      <p:sp>
+        <p:nvSpPr>
+          <p:cNvPr id="2" name="Заголовок 1"/>
+          <p:cNvSpPr>
+            <a:spLocks noGrp="1"/>
+          </p:cNvSpPr>
+          <p:nvPr>
+            <p:ph type="title"/>
+          </p:nvPr>
+        </p:nvSpPr>
+        <p:spPr>
+          <a:xfrm>
+            <a:off x="1371600" y="594360"/>
+            <a:ext cx="9601200" cy="818804"/>
+          </a:xfrm>
+        </p:spPr>
+        <p:txBody>
+          <a:bodyPr/>
+          <a:lstStyle/>
+          <a:p>
+            <a:r>
+              <a:rPr lang="en-US" dirty="0" smtClean="0"/>
+              <a:t>Rand</a:t>
+            </a:r>
+            <a:r>
+              <a:rPr lang="ru-RU" dirty="0" smtClean="0"/>
+              <a:t>+ </a:t>
+            </a:r>
+            <a:r>
+              <a:rPr lang="en-US" dirty="0" smtClean="0"/>
+              <a:t>= 7</a:t>
+            </a:r>
+            <a:r>
+              <a:rPr lang="ru-RU" dirty="0" smtClean="0"/>
+              <a:t>0</a:t>
+            </a:r>
+            <a:r>
+              <a:rPr lang="en-US" dirty="0" smtClean="0"/>
+              <a:t>.</a:t>
+            </a:r>
+            <a:r>
+              <a:rPr lang="ru-RU" dirty="0" smtClean="0"/>
+              <a:t>126</a:t>
+            </a:r>
+            <a:r>
+              <a:rPr lang="en-US" dirty="0" smtClean="0"/>
+              <a:t>s</a:t>
+            </a:r>
+            <a:endParaRPr lang="ru-RU" dirty="0"/>
+          </a:p>
+        </p:txBody>
+      </p:sp>
+      <p:pic>
+        <p:nvPicPr>
+          <p:cNvPr id="6" name="Рисунок 5"/>
+          <p:cNvPicPr>
+            <a:picLocks noChangeAspect="1"/>
+          </p:cNvPicPr>
+          <p:nvPr/>
+        </p:nvPicPr>
+        <p:blipFill>
+          <a:blip r:embed="rId2"/>
+          <a:stretch>
+            <a:fillRect/>
+          </a:stretch>
+        </p:blipFill>
+        <p:spPr>
+          <a:xfrm>
+            <a:off x="1371600" y="4632740"/>
+            <a:ext cx="5475402" cy="1967637"/>
+          </a:xfrm>
+          <a:prstGeom prst="rect">
+            <a:avLst/>
+          </a:prstGeom>
+        </p:spPr>
+      </p:pic>
+      <p:pic>
+        <p:nvPicPr>
+          <p:cNvPr id="4" name="Рисунок 3"/>
+          <p:cNvPicPr>
+            <a:picLocks noChangeAspect="1"/>
+          </p:cNvPicPr>
+          <p:nvPr/>
+        </p:nvPicPr>
+        <p:blipFill>
+          <a:blip r:embed="rId3"/>
+          <a:stretch>
+            <a:fillRect/>
+          </a:stretch>
+        </p:blipFill>
+        <p:spPr>
+          <a:xfrm>
+            <a:off x="1371600" y="1413164"/>
+            <a:ext cx="6967971" cy="3020313"/>
+          </a:xfrm>
+          <a:prstGeom prst="rect">
+            <a:avLst/>
+          </a:prstGeom>
+        </p:spPr>
+      </p:pic>
+    </p:spTree>
+    <p:extLst>
+      <p:ext uri="{BB962C8B-B14F-4D97-AF65-F5344CB8AC3E}">
+        <p14:creationId xmlns:p14="http://schemas.microsoft.com/office/powerpoint/2010/main" val="3487418769"/>
+      </p:ext>
+    </p:extLst>
+  </p:cSld>
+  <p:clrMapOvr>
+    <a:masterClrMapping/>
+  </p:clrMapOvr>
+</p:sld>
+</file>
+
+<file path=ppt/slides/slide15.xml><?xml version="1.0" encoding="utf-8"?>
+<p:sld xmlns:a="http://schemas.openxmlformats.org/drawingml/2006/main" xmlns:r="http://schemas.openxmlformats.org/officeDocument/2006/relationships" xmlns:p="http://schemas.openxmlformats.org/presentationml/2006/main">
+  <p:cSld>
+    <p:spTree>
+      <p:nvGrpSpPr>
+        <p:cNvPr id="1" name=""/>
+        <p:cNvGrpSpPr/>
+        <p:nvPr/>
+      </p:nvGrpSpPr>
+      <p:grpSpPr>
+        <a:xfrm>
+          <a:off x="0" y="0"/>
+          <a:ext cx="0" cy="0"/>
+          <a:chOff x="0" y="0"/>
+          <a:chExt cx="0" cy="0"/>
+        </a:xfrm>
+      </p:grpSpPr>
+      <p:sp>
+        <p:nvSpPr>
           <p:cNvPr id="2" name="Заголовок 1">
             <a:extLst>
               <a:ext uri="{FF2B5EF4-FFF2-40B4-BE49-F238E27FC236}">
@@ -4127,9 +4619,10 @@
           <a:lstStyle/>
           <a:p>
             <a:r>
-              <a:rPr lang="ru-RU"/>
-              <a:t>Результат проделанной работы:</a:t>
-            </a:r>
+              <a:rPr lang="ru-RU" dirty="0" smtClean="0"/>
+              <a:t>Точность вычислений центра пятна</a:t>
+            </a:r>
+            <a:endParaRPr lang="ru-RU" dirty="0"/>
           </a:p>
         </p:txBody>
       </p:sp>
@@ -4158,15 +4651,154 @@
           <a:p>
             <a:pPr marL="383540" indent="-383540"/>
             <a:r>
+              <a:rPr lang="en-US" dirty="0" smtClean="0"/>
+              <a:t>Brute Force+ </a:t>
+            </a:r>
+            <a:r>
+              <a:rPr lang="en-US" dirty="0"/>
+              <a:t>:  X: </a:t>
+            </a:r>
+            <a:r>
+              <a:rPr lang="en-US" dirty="0" smtClean="0"/>
+              <a:t>0.698193411264612 &lt; 1, </a:t>
+            </a:r>
+            <a:r>
+              <a:rPr lang="en-US" dirty="0"/>
+              <a:t>Y: </a:t>
+            </a:r>
+            <a:r>
+              <a:rPr lang="en-US" dirty="0" smtClean="0"/>
+              <a:t>0.608646188850967 &lt; 1</a:t>
+            </a:r>
+            <a:endParaRPr lang="en-US" dirty="0" smtClean="0"/>
+          </a:p>
+          <a:p>
+            <a:pPr marL="383540" indent="-383540"/>
+            <a:r>
+              <a:rPr lang="en-US" dirty="0" smtClean="0"/>
+              <a:t>Rand</a:t>
+            </a:r>
+            <a:r>
+              <a:rPr lang="en-US" dirty="0"/>
+              <a:t>+ : X: </a:t>
+            </a:r>
+            <a:r>
+              <a:rPr lang="en-US" dirty="0" smtClean="0"/>
+              <a:t>0.711252653927813 &lt; 1, </a:t>
+            </a:r>
+            <a:r>
+              <a:rPr lang="en-US" dirty="0"/>
+              <a:t>Y: </a:t>
+            </a:r>
+            <a:r>
+              <a:rPr lang="en-US" dirty="0" smtClean="0"/>
+              <a:t>0.605473204104903 &lt; 1</a:t>
+            </a:r>
+            <a:endParaRPr lang="ru-RU" dirty="0"/>
+          </a:p>
+        </p:txBody>
+      </p:sp>
+    </p:spTree>
+    <p:extLst>
+      <p:ext uri="{BB962C8B-B14F-4D97-AF65-F5344CB8AC3E}">
+        <p14:creationId xmlns:p14="http://schemas.microsoft.com/office/powerpoint/2010/main" val="20952426"/>
+      </p:ext>
+    </p:extLst>
+  </p:cSld>
+  <p:clrMapOvr>
+    <a:masterClrMapping/>
+  </p:clrMapOvr>
+</p:sld>
+</file>
+
+<file path=ppt/slides/slide16.xml><?xml version="1.0" encoding="utf-8"?>
+<p:sld xmlns:a="http://schemas.openxmlformats.org/drawingml/2006/main" xmlns:r="http://schemas.openxmlformats.org/officeDocument/2006/relationships" xmlns:p="http://schemas.openxmlformats.org/presentationml/2006/main">
+  <p:cSld>
+    <p:spTree>
+      <p:nvGrpSpPr>
+        <p:cNvPr id="1" name=""/>
+        <p:cNvGrpSpPr/>
+        <p:nvPr/>
+      </p:nvGrpSpPr>
+      <p:grpSpPr>
+        <a:xfrm>
+          <a:off x="0" y="0"/>
+          <a:ext cx="0" cy="0"/>
+          <a:chOff x="0" y="0"/>
+          <a:chExt cx="0" cy="0"/>
+        </a:xfrm>
+      </p:grpSpPr>
+      <p:sp>
+        <p:nvSpPr>
+          <p:cNvPr id="2" name="Заголовок 1">
+            <a:extLst>
+              <a:ext uri="{FF2B5EF4-FFF2-40B4-BE49-F238E27FC236}">
+                <a16:creationId xmlns:a16="http://schemas.microsoft.com/office/drawing/2014/main" id="{8C295AE2-BE5C-4AB4-BBF4-0B5FE90D135C}"/>
+              </a:ext>
+            </a:extLst>
+          </p:cNvPr>
+          <p:cNvSpPr>
+            <a:spLocks noGrp="1"/>
+          </p:cNvSpPr>
+          <p:nvPr>
+            <p:ph type="title"/>
+          </p:nvPr>
+        </p:nvSpPr>
+        <p:spPr/>
+        <p:txBody>
+          <a:bodyPr/>
+          <a:lstStyle/>
+          <a:p>
+            <a:r>
               <a:rPr lang="ru-RU"/>
-              <a:t>Был проведён обзор основных инерциальных датчиков используемых в инерциальной навигации, таких как акселерометр и гироскоп. Так же изучены типовые акселерометры и гироскопы с возможными ошибками в них, которые в последствии влияют не только на измерение ускорения, но и на вычисление скорости и местоположенеия объекта;</a:t>
-            </a:r>
-          </a:p>
+              <a:t>Результат проделанной работы:</a:t>
+            </a:r>
+          </a:p>
+        </p:txBody>
+      </p:sp>
+      <p:sp>
+        <p:nvSpPr>
+          <p:cNvPr id="3" name="Объект 2">
+            <a:extLst>
+              <a:ext uri="{FF2B5EF4-FFF2-40B4-BE49-F238E27FC236}">
+                <a16:creationId xmlns:a16="http://schemas.microsoft.com/office/drawing/2014/main" id="{3C1E01FD-4CF0-4F05-892B-94389FAEDF17}"/>
+              </a:ext>
+            </a:extLst>
+          </p:cNvPr>
+          <p:cNvSpPr>
+            <a:spLocks noGrp="1"/>
+          </p:cNvSpPr>
+          <p:nvPr>
+            <p:ph idx="1"/>
+          </p:nvPr>
+        </p:nvSpPr>
+        <p:spPr/>
+        <p:txBody>
+          <a:bodyPr vert="horz" lIns="91440" tIns="45720" rIns="91440" bIns="45720" rtlCol="0" anchor="t">
+            <a:normAutofit/>
+          </a:bodyPr>
+          <a:lstStyle/>
           <a:p>
             <a:pPr marL="383540" indent="-383540"/>
             <a:r>
-              <a:rPr lang="ru-RU"/>
-              <a:t>Были промоделированы несколько моделей акселерометра с различными погрешностями/ошибками: идеальный случай, с заданной стабильностью смещения, с заданным постоянным смещением. На основе показаний акселерометра были восстановлены значения скорости и перемещения, показано влияние шумов на результат. </a:t>
+              <a:rPr lang="ru-RU" dirty="0" smtClean="0"/>
+              <a:t>Была создана и протестирована модель для получения изображения падающего луча на светочувствительной матрице</a:t>
+            </a:r>
+            <a:endParaRPr lang="ru-RU" dirty="0"/>
+          </a:p>
+          <a:p>
+            <a:pPr marL="383540" indent="-383540"/>
+            <a:r>
+              <a:rPr lang="ru-RU" dirty="0" smtClean="0"/>
+              <a:t>Были сравнены несколько алгоритмов поиска центра изображения светового пятна на светочувствительной матрице</a:t>
+            </a:r>
+            <a:endParaRPr lang="en-US" dirty="0" smtClean="0"/>
+          </a:p>
+          <a:p>
+            <a:pPr marL="383540" indent="-383540"/>
+            <a:r>
+              <a:rPr lang="ru-RU" dirty="0" smtClean="0"/>
+              <a:t>Была проверена точность вычисления центра пятна двумя алгоритмами</a:t>
             </a:r>
             <a:endParaRPr lang="ru-RU" dirty="0"/>
           </a:p>
@@ -4267,15 +4899,17 @@
           <a:p>
             <a:pPr marL="383540" indent="-383540"/>
             <a:r>
-              <a:rPr lang="ru-RU"/>
-              <a:t>Получение параметров движения (скорость, перемещение) при помощи показаний с инерциальных датчиков</a:t>
-            </a:r>
-            <a:endParaRPr lang="ru-RU" dirty="0"/>
-          </a:p>
-          <a:p>
-            <a:pPr marL="0" indent="0">
-              <a:buNone/>
-            </a:pPr>
+              <a:rPr lang="en-US" dirty="0" smtClean="0"/>
+              <a:t>C</a:t>
+            </a:r>
+            <a:r>
+              <a:rPr lang="ru-RU" dirty="0" smtClean="0"/>
+              <a:t>равнение </a:t>
+            </a:r>
+            <a:r>
+              <a:rPr lang="ru-RU" dirty="0"/>
+              <a:t>вычислительной эффективности алгоритмов поиска центра изображения светового пятна на светочувствительной матрице</a:t>
+            </a:r>
             <a:endParaRPr lang="ru-RU" dirty="0"/>
           </a:p>
         </p:txBody>
@@ -4359,7 +4993,7 @@
         </p:spPr>
         <p:txBody>
           <a:bodyPr vert="horz" lIns="91440" tIns="45720" rIns="91440" bIns="45720" rtlCol="0" anchor="t">
-            <a:normAutofit fontScale="92500" lnSpcReduction="20000"/>
+            <a:normAutofit/>
           </a:bodyPr>
           <a:lstStyle>
             <a:lvl1pPr marL="384048" indent="-384048" algn="l" defTabSz="914400" rtl="0" eaLnBrk="1" latinLnBrk="0" hangingPunct="1">
@@ -4555,39 +5189,36 @@
           <a:p>
             <a:pPr marL="383540" indent="-383540"/>
             <a:r>
-              <a:rPr lang="ru-RU"/>
-              <a:t>Обзор видов инерциальных датчиков</a:t>
+              <a:rPr lang="ru-RU" dirty="0" smtClean="0"/>
+              <a:t>Обзор устройства датчика</a:t>
             </a:r>
             <a:endParaRPr lang="ru-RU" dirty="0"/>
           </a:p>
           <a:p>
             <a:pPr marL="383540" indent="-383540"/>
             <a:r>
-              <a:rPr lang="ru-RU"/>
-              <a:t>Описание ошибок присущих инерциальным датчикам (акселерометр, гироскоп)</a:t>
+              <a:rPr lang="ru-RU" dirty="0" smtClean="0"/>
+              <a:t>Создание модели падающего луча на светочувствительную матрицу</a:t>
             </a:r>
             <a:endParaRPr lang="ru-RU" dirty="0"/>
           </a:p>
           <a:p>
             <a:pPr marL="383540" indent="-383540"/>
             <a:r>
-              <a:rPr lang="ru-RU"/>
-              <a:t>Моделирование акселерометра с некоторыми заданными ошибками.</a:t>
-            </a:r>
+              <a:rPr lang="ru-RU" dirty="0" smtClean="0"/>
+              <a:t>Реализация алгоритмов поиска центра изображения светового пятна</a:t>
+            </a:r>
+            <a:endParaRPr lang="ru-RU" dirty="0"/>
           </a:p>
           <a:p>
             <a:pPr marL="383540" indent="-383540"/>
             <a:r>
-              <a:rPr lang="ru-RU"/>
-              <a:t>Получение параметров движения из показаний смоделированного акселерометра</a:t>
+              <a:rPr lang="ru-RU" dirty="0" smtClean="0"/>
+              <a:t>Сравнение вычислительной эффективности алгоритмов</a:t>
             </a:r>
           </a:p>
           <a:p>
             <a:pPr marL="383540" indent="-383540"/>
-            <a:r>
-              <a:rPr lang="ru-RU"/>
-              <a:t>Сравнение параметров полученных разными моделями акселерометра</a:t>
-            </a:r>
             <a:endParaRPr lang="ru-RU" dirty="0"/>
           </a:p>
         </p:txBody>
@@ -4646,123 +5277,257 @@
           <a:lstStyle/>
           <a:p>
             <a:r>
+              <a:rPr lang="ru-RU" sz="2800" dirty="0" smtClean="0">
+                <a:ea typeface="+mj-lt"/>
+                <a:cs typeface="+mj-lt"/>
+              </a:rPr>
+              <a:t>Светочувствительная матрица КМОП</a:t>
+            </a:r>
+            <a:br>
+              <a:rPr lang="ru-RU" sz="2800" dirty="0" smtClean="0">
+                <a:ea typeface="+mj-lt"/>
+                <a:cs typeface="+mj-lt"/>
+              </a:rPr>
+            </a:br>
+            <a:r>
               <a:rPr lang="ru-RU" sz="2800" dirty="0">
                 <a:ea typeface="+mj-lt"/>
                 <a:cs typeface="+mj-lt"/>
               </a:rPr>
-              <a:t>Инерциальная навигация </a:t>
+              <a:t> </a:t>
             </a:r>
             <a:endParaRPr lang="ru-RU" sz="2400" dirty="0"/>
           </a:p>
         </p:txBody>
       </p:sp>
-      <p:sp>
-        <p:nvSpPr>
-          <p:cNvPr id="3" name="Объект 2">
-            <a:extLst>
-              <a:ext uri="{FF2B5EF4-FFF2-40B4-BE49-F238E27FC236}">
-                <a16:creationId xmlns:a16="http://schemas.microsoft.com/office/drawing/2014/main" id="{4B42E68E-7946-46CE-9EEC-597AA400FA3F}"/>
-              </a:ext>
-            </a:extLst>
-          </p:cNvPr>
-          <p:cNvSpPr>
-            <a:spLocks noGrp="1"/>
-          </p:cNvSpPr>
-          <p:nvPr>
-            <p:ph idx="1"/>
-          </p:nvPr>
-        </p:nvSpPr>
-        <p:spPr>
-          <a:xfrm>
-            <a:off x="1407459" y="1434353"/>
-            <a:ext cx="9601200" cy="960864"/>
-          </a:xfrm>
-        </p:spPr>
-        <p:txBody>
-          <a:bodyPr vert="horz" lIns="91440" tIns="45720" rIns="91440" bIns="45720" rtlCol="0" anchor="t">
-            <a:normAutofit/>
-          </a:bodyPr>
-          <a:lstStyle/>
-          <a:p>
-            <a:pPr marL="383540" indent="-383540"/>
-            <a:r>
-              <a:rPr lang="ru-RU" dirty="0"/>
-              <a:t>Системы со стабилизированной платформой</a:t>
-            </a:r>
-          </a:p>
-          <a:p>
-            <a:pPr marL="383540" indent="-383540"/>
-            <a:r>
-              <a:rPr lang="ru-RU" dirty="0" err="1"/>
-              <a:t>Бесплатформенные</a:t>
-            </a:r>
-            <a:r>
-              <a:rPr lang="ru-RU" dirty="0"/>
-              <a:t> системы</a:t>
-            </a:r>
-          </a:p>
-        </p:txBody>
-      </p:sp>
-      <p:pic>
-        <p:nvPicPr>
-          <p:cNvPr id="4" name="Рисунок 4">
-            <a:extLst>
-              <a:ext uri="{FF2B5EF4-FFF2-40B4-BE49-F238E27FC236}">
-                <a16:creationId xmlns:a16="http://schemas.microsoft.com/office/drawing/2014/main" id="{4167EBF8-9D2D-4EB8-BBB3-688E70A77A92}"/>
-              </a:ext>
-            </a:extLst>
-          </p:cNvPr>
-          <p:cNvPicPr>
-            <a:picLocks noChangeAspect="1"/>
-          </p:cNvPicPr>
+      <p:grpSp>
+        <p:nvGrpSpPr>
+          <p:cNvPr id="9" name="Группа 8"/>
+          <p:cNvGrpSpPr/>
           <p:nvPr/>
-        </p:nvPicPr>
-        <p:blipFill>
-          <a:blip r:embed="rId2"/>
-          <a:stretch>
-            <a:fillRect/>
-          </a:stretch>
-        </p:blipFill>
-        <p:spPr>
-          <a:xfrm>
-            <a:off x="2810107" y="2322064"/>
-            <a:ext cx="6711175" cy="1953676"/>
-          </a:xfrm>
-          <a:prstGeom prst="rect">
-            <a:avLst/>
-          </a:prstGeom>
-        </p:spPr>
-      </p:pic>
-      <p:pic>
-        <p:nvPicPr>
-          <p:cNvPr id="5" name="Рисунок 5" descr="Изображение выглядит как часы&#10;&#10;Описание создано с очень высокой степенью достоверности">
-            <a:extLst>
-              <a:ext uri="{FF2B5EF4-FFF2-40B4-BE49-F238E27FC236}">
-                <a16:creationId xmlns:a16="http://schemas.microsoft.com/office/drawing/2014/main" id="{25FE64F6-CDFF-42B7-9176-F57F11BBCDD3}"/>
-              </a:ext>
-            </a:extLst>
-          </p:cNvPr>
-          <p:cNvPicPr>
-            <a:picLocks noChangeAspect="1"/>
-          </p:cNvPicPr>
+        </p:nvGrpSpPr>
+        <p:grpSpPr>
+          <a:xfrm>
+            <a:off x="6570865" y="1504603"/>
+            <a:ext cx="4503420" cy="4447540"/>
+            <a:chOff x="0" y="0"/>
+            <a:chExt cx="4503420" cy="4447540"/>
+          </a:xfrm>
+        </p:grpSpPr>
+        <p:pic>
+          <p:nvPicPr>
+            <p:cNvPr id="10" name="Рисунок 9"/>
+            <p:cNvPicPr>
+              <a:picLocks noChangeAspect="1"/>
+            </p:cNvPicPr>
+            <p:nvPr/>
+          </p:nvPicPr>
+          <p:blipFill>
+            <a:blip r:embed="rId2">
+              <a:extLst>
+                <a:ext uri="{28A0092B-C50C-407E-A947-70E740481C1C}">
+                  <a14:useLocalDpi xmlns:a14="http://schemas.microsoft.com/office/drawing/2010/main" val="0"/>
+                </a:ext>
+              </a:extLst>
+            </a:blip>
+            <a:stretch>
+              <a:fillRect/>
+            </a:stretch>
+          </p:blipFill>
+          <p:spPr>
+            <a:xfrm>
+              <a:off x="0" y="0"/>
+              <a:ext cx="4503420" cy="3909060"/>
+            </a:xfrm>
+            <a:prstGeom prst="rect">
+              <a:avLst/>
+            </a:prstGeom>
+          </p:spPr>
+        </p:pic>
+        <p:sp>
+          <p:nvSpPr>
+            <p:cNvPr id="11" name="Надпись 55"/>
+            <p:cNvSpPr txBox="1"/>
+            <p:nvPr/>
+          </p:nvSpPr>
+          <p:spPr>
+            <a:xfrm>
+              <a:off x="0" y="3970020"/>
+              <a:ext cx="4503420" cy="477520"/>
+            </a:xfrm>
+            <a:prstGeom prst="rect">
+              <a:avLst/>
+            </a:prstGeom>
+            <a:solidFill>
+              <a:prstClr val="white"/>
+            </a:solidFill>
+            <a:ln>
+              <a:noFill/>
+            </a:ln>
+          </p:spPr>
+          <p:txBody>
+            <a:bodyPr rot="0" spcFirstLastPara="0" vert="horz" wrap="square" lIns="0" tIns="0" rIns="0" bIns="0" numCol="1" spcCol="0" rtlCol="0" fromWordArt="0" anchor="t" anchorCtr="0" forceAA="0" compatLnSpc="1">
+              <a:prstTxWarp prst="textNoShape">
+                <a:avLst/>
+              </a:prstTxWarp>
+              <a:spAutoFit/>
+            </a:bodyPr>
+            <a:lstStyle/>
+            <a:p>
+              <a:pPr indent="457200" algn="ctr">
+                <a:spcAft>
+                  <a:spcPts val="1000"/>
+                </a:spcAft>
+              </a:pPr>
+              <a:r>
+                <a:rPr lang="ru-RU" sz="1200" i="1" u="sng">
+                  <a:solidFill>
+                    <a:srgbClr val="000000"/>
+                  </a:solidFill>
+                  <a:effectLst/>
+                  <a:latin typeface="Times New Roman" panose="02020603050405020304" pitchFamily="18" charset="0"/>
+                  <a:ea typeface="Calibri" panose="020F0502020204030204" pitchFamily="34" charset="0"/>
+                  <a:cs typeface="Times New Roman" panose="02020603050405020304" pitchFamily="18" charset="0"/>
+                </a:rPr>
+                <a:t>Рис. </a:t>
+              </a:r>
+              <a:r>
+                <a:rPr lang="ru-RU" sz="1200" i="1">
+                  <a:solidFill>
+                    <a:srgbClr val="000000"/>
+                  </a:solidFill>
+                  <a:effectLst/>
+                  <a:latin typeface="Times New Roman" panose="02020603050405020304" pitchFamily="18" charset="0"/>
+                  <a:ea typeface="Calibri" panose="020F0502020204030204" pitchFamily="34" charset="0"/>
+                  <a:cs typeface="Times New Roman" panose="02020603050405020304" pitchFamily="18" charset="0"/>
+                </a:rPr>
+                <a:t>7 Принцип работы КМОП-матрицы для датчика направления на солнце</a:t>
+              </a:r>
+            </a:p>
+          </p:txBody>
+        </p:sp>
+      </p:grpSp>
+      <p:grpSp>
+        <p:nvGrpSpPr>
+          <p:cNvPr id="12" name="Группа 11"/>
+          <p:cNvGrpSpPr/>
           <p:nvPr/>
-        </p:nvPicPr>
-        <p:blipFill>
-          <a:blip r:embed="rId3"/>
-          <a:stretch>
-            <a:fillRect/>
-          </a:stretch>
-        </p:blipFill>
-        <p:spPr>
-          <a:xfrm>
-            <a:off x="2810108" y="4327416"/>
-            <a:ext cx="6711175" cy="2347703"/>
-          </a:xfrm>
-          <a:prstGeom prst="rect">
-            <a:avLst/>
-          </a:prstGeom>
-        </p:spPr>
-      </p:pic>
+        </p:nvGrpSpPr>
+        <p:grpSpPr>
+          <a:xfrm>
+            <a:off x="1001336" y="1504603"/>
+            <a:ext cx="4892387" cy="4447540"/>
+            <a:chOff x="0" y="0"/>
+            <a:chExt cx="4503420" cy="4080512"/>
+          </a:xfrm>
+        </p:grpSpPr>
+        <p:sp>
+          <p:nvSpPr>
+            <p:cNvPr id="13" name="Надпись 5"/>
+            <p:cNvSpPr txBox="1"/>
+            <p:nvPr/>
+          </p:nvSpPr>
+          <p:spPr>
+            <a:xfrm>
+              <a:off x="0" y="3778252"/>
+              <a:ext cx="4503420" cy="302260"/>
+            </a:xfrm>
+            <a:prstGeom prst="rect">
+              <a:avLst/>
+            </a:prstGeom>
+            <a:solidFill>
+              <a:prstClr val="white"/>
+            </a:solidFill>
+            <a:ln>
+              <a:noFill/>
+            </a:ln>
+          </p:spPr>
+          <p:txBody>
+            <a:bodyPr rot="0" spcFirstLastPara="0" vert="horz" wrap="square" lIns="0" tIns="0" rIns="0" bIns="0" numCol="1" spcCol="0" rtlCol="0" fromWordArt="0" anchor="t" anchorCtr="0" forceAA="0" compatLnSpc="1">
+              <a:prstTxWarp prst="textNoShape">
+                <a:avLst/>
+              </a:prstTxWarp>
+              <a:spAutoFit/>
+            </a:bodyPr>
+            <a:lstStyle/>
+            <a:p>
+              <a:pPr indent="457200" algn="ctr">
+                <a:spcAft>
+                  <a:spcPts val="1000"/>
+                </a:spcAft>
+              </a:pPr>
+              <a:r>
+                <a:rPr lang="ru-RU" sz="1200" i="1" dirty="0">
+                  <a:solidFill>
+                    <a:srgbClr val="000000"/>
+                  </a:solidFill>
+                  <a:effectLst/>
+                  <a:latin typeface="Times New Roman" panose="02020603050405020304" pitchFamily="18" charset="0"/>
+                  <a:ea typeface="Calibri" panose="020F0502020204030204" pitchFamily="34" charset="0"/>
+                  <a:cs typeface="Times New Roman" panose="02020603050405020304" pitchFamily="18" charset="0"/>
+                </a:rPr>
+                <a:t>Рис. 8 Вид КМОП матрицы </a:t>
+              </a:r>
+              <a:r>
+                <a:rPr lang="en-US" sz="1200" i="1" dirty="0">
+                  <a:solidFill>
+                    <a:srgbClr val="000000"/>
+                  </a:solidFill>
+                  <a:effectLst/>
+                  <a:latin typeface="Times New Roman" panose="02020603050405020304" pitchFamily="18" charset="0"/>
+                  <a:ea typeface="Calibri" panose="020F0502020204030204" pitchFamily="34" charset="0"/>
+                  <a:cs typeface="Times New Roman" panose="02020603050405020304" pitchFamily="18" charset="0"/>
+                </a:rPr>
+                <a:t>MT9V032</a:t>
+              </a:r>
+              <a:endParaRPr lang="ru-RU" sz="1200" i="1" dirty="0">
+                <a:solidFill>
+                  <a:srgbClr val="000000"/>
+                </a:solidFill>
+                <a:effectLst/>
+                <a:latin typeface="Times New Roman" panose="02020603050405020304" pitchFamily="18" charset="0"/>
+                <a:ea typeface="Calibri" panose="020F0502020204030204" pitchFamily="34" charset="0"/>
+                <a:cs typeface="Times New Roman" panose="02020603050405020304" pitchFamily="18" charset="0"/>
+              </a:endParaRPr>
+            </a:p>
+          </p:txBody>
+        </p:sp>
+        <p:pic>
+          <p:nvPicPr>
+            <p:cNvPr id="14" name="Рисунок 13" descr="FPGA4U camera modules MT9V032 - Fpga4u"/>
+            <p:cNvPicPr>
+              <a:picLocks noChangeAspect="1"/>
+            </p:cNvPicPr>
+            <p:nvPr/>
+          </p:nvPicPr>
+          <p:blipFill>
+            <a:blip r:embed="rId3">
+              <a:extLst>
+                <a:ext uri="{28A0092B-C50C-407E-A947-70E740481C1C}">
+                  <a14:useLocalDpi xmlns:a14="http://schemas.microsoft.com/office/drawing/2010/main" val="0"/>
+                </a:ext>
+              </a:extLst>
+            </a:blip>
+            <a:srcRect/>
+            <a:stretch>
+              <a:fillRect/>
+            </a:stretch>
+          </p:blipFill>
+          <p:spPr bwMode="auto">
+            <a:xfrm>
+              <a:off x="828136" y="0"/>
+              <a:ext cx="2855595" cy="3260725"/>
+            </a:xfrm>
+            <a:prstGeom prst="rect">
+              <a:avLst/>
+            </a:prstGeom>
+            <a:noFill/>
+            <a:ln>
+              <a:noFill/>
+            </a:ln>
+          </p:spPr>
+        </p:pic>
+      </p:grpSp>
     </p:spTree>
     <p:extLst>
       <p:ext uri="{BB962C8B-B14F-4D97-AF65-F5344CB8AC3E}">
@@ -4820,115 +5585,47 @@
         <p:spPr>
           <a:xfrm>
             <a:off x="1371600" y="685800"/>
-            <a:ext cx="3282695" cy="1485900"/>
+            <a:ext cx="7564582" cy="677487"/>
           </a:xfrm>
         </p:spPr>
         <p:txBody>
           <a:bodyPr>
-            <a:normAutofit/>
+            <a:normAutofit fontScale="90000"/>
           </a:bodyPr>
           <a:lstStyle/>
           <a:p>
             <a:r>
-              <a:rPr lang="ru-RU" dirty="0"/>
-              <a:t>Гироскоп</a:t>
-            </a:r>
-          </a:p>
-        </p:txBody>
-      </p:sp>
-      <p:sp>
-        <p:nvSpPr>
-          <p:cNvPr id="3" name="Объект 2">
-            <a:extLst>
-              <a:ext uri="{FF2B5EF4-FFF2-40B4-BE49-F238E27FC236}">
-                <a16:creationId xmlns:a16="http://schemas.microsoft.com/office/drawing/2014/main" id="{FD5F4038-85B7-4BE4-AD7B-86DCB9C361AE}"/>
-              </a:ext>
-            </a:extLst>
-          </p:cNvPr>
-          <p:cNvSpPr>
-            <a:spLocks noGrp="1"/>
-          </p:cNvSpPr>
-          <p:nvPr>
-            <p:ph idx="1"/>
-          </p:nvPr>
-        </p:nvSpPr>
-        <p:spPr>
-          <a:xfrm>
-            <a:off x="1371600" y="1551878"/>
-            <a:ext cx="3254816" cy="2150327"/>
-          </a:xfrm>
-        </p:spPr>
-        <p:txBody>
-          <a:bodyPr vert="horz" lIns="91440" tIns="45720" rIns="91440" bIns="45720" rtlCol="0" anchor="t">
-            <a:normAutofit/>
-          </a:bodyPr>
-          <a:lstStyle/>
-          <a:p>
-            <a:pPr marL="383540" indent="-383540"/>
-            <a:r>
-              <a:rPr lang="ru-RU" dirty="0"/>
-              <a:t>Механический</a:t>
-            </a:r>
-          </a:p>
-          <a:p>
-            <a:pPr marL="383540" indent="-383540"/>
-            <a:r>
-              <a:rPr lang="ru-RU" dirty="0"/>
-              <a:t>Оптический / Лазерный</a:t>
-            </a:r>
-          </a:p>
-          <a:p>
-            <a:pPr lvl="1" indent="-383540"/>
-            <a:r>
-              <a:rPr lang="ru-RU" i="0" dirty="0"/>
-              <a:t>эффект </a:t>
-            </a:r>
-            <a:r>
-              <a:rPr lang="ru-RU" i="0" dirty="0" err="1"/>
-              <a:t>Саньяка</a:t>
-            </a:r>
-            <a:endParaRPr lang="ru-RU" i="0" dirty="0"/>
-          </a:p>
-          <a:p>
-            <a:pPr marL="383540" indent="-383540"/>
-            <a:r>
-              <a:rPr lang="ru-RU" dirty="0"/>
-              <a:t>MEMS гироскоп</a:t>
-            </a:r>
-          </a:p>
-          <a:p>
-            <a:pPr lvl="1" indent="-383540"/>
-            <a:r>
-              <a:rPr lang="ru-RU" i="0" dirty="0"/>
-              <a:t>эффект Кориолиса</a:t>
-            </a:r>
+              <a:rPr lang="ru-RU" dirty="0" smtClean="0"/>
+              <a:t>Теория генерации изображения</a:t>
+            </a:r>
+            <a:endParaRPr lang="ru-RU" dirty="0"/>
           </a:p>
         </p:txBody>
       </p:sp>
       <p:pic>
         <p:nvPicPr>
-          <p:cNvPr id="4" name="Рисунок 4" descr="Изображение выглядит как рисунок&#10;&#10;Описание создано с очень высокой степенью достоверности">
-            <a:extLst>
-              <a:ext uri="{FF2B5EF4-FFF2-40B4-BE49-F238E27FC236}">
-                <a16:creationId xmlns:a16="http://schemas.microsoft.com/office/drawing/2014/main" id="{D2A2155B-BFDF-4AC5-A20F-10058AFD1BCC}"/>
-              </a:ext>
-            </a:extLst>
-          </p:cNvPr>
+          <p:cNvPr id="8" name="Рисунок 7"/>
           <p:cNvPicPr>
             <a:picLocks noChangeAspect="1"/>
           </p:cNvPicPr>
           <p:nvPr/>
         </p:nvPicPr>
         <p:blipFill>
-          <a:blip r:embed="rId2"/>
+          <a:blip r:embed="rId2">
+            <a:extLst>
+              <a:ext uri="{28A0092B-C50C-407E-A947-70E740481C1C}">
+                <a14:useLocalDpi xmlns:a14="http://schemas.microsoft.com/office/drawing/2010/main" val="0"/>
+              </a:ext>
+            </a:extLst>
+          </a:blip>
           <a:stretch>
             <a:fillRect/>
           </a:stretch>
         </p:blipFill>
         <p:spPr>
           <a:xfrm>
-            <a:off x="7065764" y="682277"/>
-            <a:ext cx="3600763" cy="4039699"/>
+            <a:off x="1371600" y="1594081"/>
+            <a:ext cx="5611091" cy="4005711"/>
           </a:xfrm>
           <a:prstGeom prst="rect">
             <a:avLst/>
@@ -4937,28 +5634,28 @@
       </p:pic>
       <p:pic>
         <p:nvPicPr>
-          <p:cNvPr id="5" name="Рисунок 5">
-            <a:extLst>
-              <a:ext uri="{FF2B5EF4-FFF2-40B4-BE49-F238E27FC236}">
-                <a16:creationId xmlns:a16="http://schemas.microsoft.com/office/drawing/2014/main" id="{502AF9FD-7C7F-48AA-9C1F-70A11BC29970}"/>
-              </a:ext>
-            </a:extLst>
-          </p:cNvPr>
+          <p:cNvPr id="11" name="Рисунок 10"/>
           <p:cNvPicPr>
             <a:picLocks noChangeAspect="1"/>
           </p:cNvPicPr>
           <p:nvPr/>
         </p:nvPicPr>
         <p:blipFill>
-          <a:blip r:embed="rId3"/>
+          <a:blip r:embed="rId3">
+            <a:extLst>
+              <a:ext uri="{28A0092B-C50C-407E-A947-70E740481C1C}">
+                <a14:useLocalDpi xmlns:a14="http://schemas.microsoft.com/office/drawing/2010/main" val="0"/>
+              </a:ext>
+            </a:extLst>
+          </a:blip>
           <a:stretch>
             <a:fillRect/>
           </a:stretch>
         </p:blipFill>
         <p:spPr>
           <a:xfrm>
-            <a:off x="2116767" y="3638550"/>
-            <a:ext cx="1793036" cy="429164"/>
+            <a:off x="7348232" y="1594080"/>
+            <a:ext cx="4678927" cy="4005711"/>
           </a:xfrm>
           <a:prstGeom prst="rect">
             <a:avLst/>
@@ -5022,19 +5719,20 @@
         <p:spPr>
           <a:xfrm>
             <a:off x="1023562" y="685800"/>
-            <a:ext cx="10493524" cy="1485900"/>
+            <a:ext cx="7023158" cy="1201189"/>
           </a:xfrm>
         </p:spPr>
         <p:txBody>
           <a:bodyPr>
-            <a:normAutofit/>
+            <a:normAutofit fontScale="90000"/>
           </a:bodyPr>
           <a:lstStyle/>
           <a:p>
             <a:r>
-              <a:rPr lang="ru-RU" dirty="0"/>
-              <a:t>Акселерометр</a:t>
-            </a:r>
+              <a:rPr lang="ru-RU" dirty="0" smtClean="0"/>
+              <a:t>Геометрическая модель и моделирование</a:t>
+            </a:r>
+            <a:endParaRPr lang="ru-RU" dirty="0"/>
           </a:p>
         </p:txBody>
       </p:sp>
@@ -5046,7 +5744,7 @@
                 <a16:creationId xmlns:a16="http://schemas.microsoft.com/office/drawing/2014/main" id="{B9F89C22-0475-4427-B7C8-0269AD40E3EC}"/>
               </a:ext>
               <a:ext uri="{C183D7F6-B498-43B3-948B-1728B52AA6E4}">
-                <adec:decorative xmlns:adec="http://schemas.microsoft.com/office/drawing/2017/decorative" val="1"/>
+                <adec:decorative xmlns:adec="http://schemas.microsoft.com/office/drawing/2017/decorative" xmlns="" val="1"/>
               </a:ext>
             </a:extLst>
           </p:cNvPr>
@@ -5093,86 +5791,131 @@
           </a:fontRef>
         </p:style>
       </p:sp>
-      <p:sp>
-        <p:nvSpPr>
-          <p:cNvPr id="3" name="Объект 2">
-            <a:extLst>
-              <a:ext uri="{FF2B5EF4-FFF2-40B4-BE49-F238E27FC236}">
-                <a16:creationId xmlns:a16="http://schemas.microsoft.com/office/drawing/2014/main" id="{595596AA-E62F-4478-930E-86D25F87D73A}"/>
-              </a:ext>
-            </a:extLst>
-          </p:cNvPr>
-          <p:cNvSpPr>
-            <a:spLocks noGrp="1"/>
-          </p:cNvSpPr>
-          <p:nvPr>
-            <p:ph idx="1"/>
-          </p:nvPr>
-        </p:nvSpPr>
-        <p:spPr>
-          <a:xfrm>
-            <a:off x="1070025" y="1561171"/>
-            <a:ext cx="3158145" cy="1388327"/>
-          </a:xfrm>
-        </p:spPr>
-        <p:txBody>
-          <a:bodyPr vert="horz" lIns="91440" tIns="45720" rIns="91440" bIns="45720" rtlCol="0">
-            <a:normAutofit/>
-          </a:bodyPr>
-          <a:lstStyle/>
-          <a:p>
-            <a:pPr marL="383540" indent="-383540"/>
-            <a:r>
-              <a:rPr lang="ru-RU" sz="1800"/>
-              <a:t>Механический</a:t>
-            </a:r>
-          </a:p>
-          <a:p>
-            <a:pPr marL="383540" indent="-383540"/>
-            <a:r>
-              <a:rPr lang="ru-RU" sz="1800"/>
-              <a:t>Твёрдотельный</a:t>
-            </a:r>
-          </a:p>
-          <a:p>
-            <a:pPr marL="383540" indent="-383540"/>
-            <a:r>
-              <a:rPr lang="ru-RU" sz="1800"/>
-              <a:t>MEMS акселерометр</a:t>
-            </a:r>
-          </a:p>
-        </p:txBody>
-      </p:sp>
       <p:pic>
         <p:nvPicPr>
-          <p:cNvPr id="6" name="Рисунок 6">
-            <a:extLst>
-              <a:ext uri="{FF2B5EF4-FFF2-40B4-BE49-F238E27FC236}">
-                <a16:creationId xmlns:a16="http://schemas.microsoft.com/office/drawing/2014/main" id="{E368FCE0-C132-4DF7-BDB4-9511FB99050E}"/>
-              </a:ext>
-            </a:extLst>
-          </p:cNvPr>
+          <p:cNvPr id="9" name="Рисунок 8"/>
           <p:cNvPicPr>
             <a:picLocks noChangeAspect="1"/>
           </p:cNvPicPr>
           <p:nvPr/>
         </p:nvPicPr>
         <p:blipFill>
-          <a:blip r:embed="rId2"/>
+          <a:blip r:embed="rId2">
+            <a:extLst>
+              <a:ext uri="{28A0092B-C50C-407E-A947-70E740481C1C}">
+                <a14:useLocalDpi xmlns:a14="http://schemas.microsoft.com/office/drawing/2010/main" val="0"/>
+              </a:ext>
+            </a:extLst>
+          </a:blip>
           <a:stretch>
             <a:fillRect/>
           </a:stretch>
         </p:blipFill>
         <p:spPr>
           <a:xfrm>
-            <a:off x="7573754" y="686845"/>
-            <a:ext cx="2836974" cy="3542618"/>
+            <a:off x="1318444" y="2726575"/>
+            <a:ext cx="2557400" cy="2872505"/>
           </a:xfrm>
           <a:prstGeom prst="rect">
             <a:avLst/>
           </a:prstGeom>
         </p:spPr>
       </p:pic>
+      <p:grpSp>
+        <p:nvGrpSpPr>
+          <p:cNvPr id="10" name="Группа 9"/>
+          <p:cNvGrpSpPr/>
+          <p:nvPr/>
+        </p:nvGrpSpPr>
+        <p:grpSpPr>
+          <a:xfrm>
+            <a:off x="5304040" y="2726575"/>
+            <a:ext cx="3762375" cy="3516629"/>
+            <a:chOff x="0" y="0"/>
+            <a:chExt cx="3762375" cy="3516822"/>
+          </a:xfrm>
+        </p:grpSpPr>
+        <p:pic>
+          <p:nvPicPr>
+            <p:cNvPr id="12" name="Рисунок 11"/>
+            <p:cNvPicPr>
+              <a:picLocks noChangeAspect="1"/>
+            </p:cNvPicPr>
+            <p:nvPr/>
+          </p:nvPicPr>
+          <p:blipFill>
+            <a:blip r:embed="rId3">
+              <a:extLst>
+                <a:ext uri="{28A0092B-C50C-407E-A947-70E740481C1C}">
+                  <a14:useLocalDpi xmlns:a14="http://schemas.microsoft.com/office/drawing/2010/main" val="0"/>
+                </a:ext>
+              </a:extLst>
+            </a:blip>
+            <a:stretch>
+              <a:fillRect/>
+            </a:stretch>
+          </p:blipFill>
+          <p:spPr>
+            <a:xfrm>
+              <a:off x="0" y="0"/>
+              <a:ext cx="3762375" cy="2886075"/>
+            </a:xfrm>
+            <a:prstGeom prst="rect">
+              <a:avLst/>
+            </a:prstGeom>
+          </p:spPr>
+        </p:pic>
+        <p:sp>
+          <p:nvSpPr>
+            <p:cNvPr id="13" name="Надпись 37"/>
+            <p:cNvSpPr txBox="1"/>
+            <p:nvPr/>
+          </p:nvSpPr>
+          <p:spPr>
+            <a:xfrm>
+              <a:off x="250166" y="3027872"/>
+              <a:ext cx="3267710" cy="488950"/>
+            </a:xfrm>
+            <a:prstGeom prst="rect">
+              <a:avLst/>
+            </a:prstGeom>
+            <a:solidFill>
+              <a:prstClr val="white"/>
+            </a:solidFill>
+            <a:ln>
+              <a:noFill/>
+            </a:ln>
+          </p:spPr>
+          <p:txBody>
+            <a:bodyPr rot="0" spcFirstLastPara="0" vert="horz" wrap="square" lIns="0" tIns="0" rIns="0" bIns="0" numCol="1" spcCol="0" rtlCol="0" fromWordArt="0" anchor="t" anchorCtr="0" forceAA="0" compatLnSpc="1">
+              <a:prstTxWarp prst="textNoShape">
+                <a:avLst/>
+              </a:prstTxWarp>
+              <a:noAutofit/>
+            </a:bodyPr>
+            <a:lstStyle/>
+            <a:p>
+              <a:pPr indent="457200" algn="ctr">
+                <a:spcAft>
+                  <a:spcPts val="1000"/>
+                </a:spcAft>
+              </a:pPr>
+              <a:r>
+                <a:rPr lang="ru-RU" sz="1200" i="1" dirty="0">
+                  <a:solidFill>
+                    <a:srgbClr val="000000"/>
+                  </a:solidFill>
+                  <a:effectLst/>
+                  <a:latin typeface="Times New Roman" panose="02020603050405020304" pitchFamily="18" charset="0"/>
+                  <a:ea typeface="Calibri" panose="020F0502020204030204" pitchFamily="34" charset="0"/>
+                  <a:cs typeface="Times New Roman" panose="02020603050405020304" pitchFamily="18" charset="0"/>
+                </a:rPr>
+                <a:t>Рис. 12 Влияние толщины маски на проецируемое пятно света.</a:t>
+              </a:r>
+            </a:p>
+          </p:txBody>
+        </p:sp>
+      </p:grpSp>
     </p:spTree>
     <p:extLst>
       <p:ext uri="{BB962C8B-B14F-4D97-AF65-F5344CB8AC3E}">
@@ -5205,28 +5948,30 @@
       </p:grpSpPr>
       <p:pic>
         <p:nvPicPr>
-          <p:cNvPr id="4" name="Рисунок 4">
+          <p:cNvPr id="4" name="Объект 3"/>
+          <p:cNvPicPr>
+            <a:picLocks noGrp="1" noChangeAspect="1"/>
+          </p:cNvPicPr>
+          <p:nvPr>
+            <p:ph idx="1"/>
+          </p:nvPr>
+        </p:nvPicPr>
+        <p:blipFill>
+          <a:blip r:embed="rId2">
             <a:extLst>
-              <a:ext uri="{FF2B5EF4-FFF2-40B4-BE49-F238E27FC236}">
-                <a16:creationId xmlns:a16="http://schemas.microsoft.com/office/drawing/2014/main" id="{A5B2D342-F6E6-47CA-80E4-B990EC26C39F}"/>
+              <a:ext uri="{28A0092B-C50C-407E-A947-70E740481C1C}">
+                <a14:useLocalDpi xmlns:a14="http://schemas.microsoft.com/office/drawing/2010/main" val="0"/>
               </a:ext>
             </a:extLst>
-          </p:cNvPr>
-          <p:cNvPicPr>
-            <a:picLocks noChangeAspect="1"/>
-          </p:cNvPicPr>
-          <p:nvPr/>
-        </p:nvPicPr>
-        <p:blipFill>
-          <a:blip r:embed="rId2"/>
+          </a:blip>
           <a:stretch>
             <a:fillRect/>
           </a:stretch>
         </p:blipFill>
         <p:spPr>
           <a:xfrm>
-            <a:off x="1453376" y="1923120"/>
-            <a:ext cx="4482509" cy="399813"/>
+            <a:off x="2387867" y="1280160"/>
+            <a:ext cx="7701668" cy="3581400"/>
           </a:xfrm>
           <a:prstGeom prst="rect">
             <a:avLst/>
@@ -5235,130 +5980,77 @@
       </p:pic>
       <p:sp>
         <p:nvSpPr>
-          <p:cNvPr id="5" name="TextBox 4">
-            <a:extLst>
-              <a:ext uri="{FF2B5EF4-FFF2-40B4-BE49-F238E27FC236}">
-                <a16:creationId xmlns:a16="http://schemas.microsoft.com/office/drawing/2014/main" id="{90E7BC62-B4E2-44B8-BC38-84EB6FF19E64}"/>
-              </a:ext>
-            </a:extLst>
-          </p:cNvPr>
+          <p:cNvPr id="5" name="Надпись 57"/>
           <p:cNvSpPr txBox="1"/>
           <p:nvPr/>
         </p:nvSpPr>
         <p:spPr>
           <a:xfrm>
-            <a:off x="1453376" y="2568497"/>
-            <a:ext cx="7463882" cy="1477328"/>
+            <a:off x="3927936" y="5109173"/>
+            <a:ext cx="4621530" cy="551793"/>
           </a:xfrm>
           <a:prstGeom prst="rect">
             <a:avLst/>
           </a:prstGeom>
-          <a:noFill/>
-        </p:spPr>
-        <p:txBody>
-          <a:bodyPr rot="0" spcFirstLastPara="0" vertOverflow="overflow" horzOverflow="overflow" vert="horz" wrap="square" lIns="91440" tIns="45720" rIns="91440" bIns="45720" numCol="1" spcCol="0" rtlCol="0" fromWordArt="0" anchor="t" anchorCtr="0" forceAA="0" compatLnSpc="1">
+          <a:solidFill>
+            <a:prstClr val="white"/>
+          </a:solidFill>
+          <a:ln>
+            <a:noFill/>
+          </a:ln>
+        </p:spPr>
+        <p:txBody>
+          <a:bodyPr rot="0" spcFirstLastPara="0" vert="horz" wrap="square" lIns="0" tIns="0" rIns="0" bIns="0" numCol="1" spcCol="0" rtlCol="0" fromWordArt="0" anchor="t" anchorCtr="0" forceAA="0" compatLnSpc="1">
             <a:prstTxWarp prst="textNoShape">
               <a:avLst/>
             </a:prstTxWarp>
-            <a:spAutoFit/>
+            <a:noAutofit/>
           </a:bodyPr>
           <a:lstStyle/>
           <a:p>
-            <a:r>
-              <a:rPr lang="ru-RU">
-                <a:ea typeface="+mn-lt"/>
-                <a:cs typeface="+mn-lt"/>
+            <a:pPr indent="457200" algn="ctr">
+              <a:spcAft>
+                <a:spcPts val="1000"/>
+              </a:spcAft>
+            </a:pPr>
+            <a:r>
+              <a:rPr lang="ru-RU" sz="1200" i="1" dirty="0">
+                <a:solidFill>
+                  <a:srgbClr val="000000"/>
+                </a:solidFill>
+                <a:effectLst/>
+                <a:latin typeface="Times New Roman" panose="02020603050405020304" pitchFamily="18" charset="0"/>
+                <a:ea typeface="Calibri" panose="020F0502020204030204" pitchFamily="34" charset="0"/>
+                <a:cs typeface="Times New Roman" panose="02020603050405020304" pitchFamily="18" charset="0"/>
               </a:rPr>
-              <a:t>Где </a:t>
-            </a:r>
-            <a:r>
-              <a:rPr lang="en-US">
-                <a:ea typeface="+mn-lt"/>
-                <a:cs typeface="+mn-lt"/>
-              </a:rPr>
-              <a:t>t</a:t>
-            </a:r>
-            <a:r>
-              <a:rPr lang="ru-RU">
-                <a:ea typeface="+mn-lt"/>
-                <a:cs typeface="+mn-lt"/>
-              </a:rPr>
-              <a:t> – время, u(t) – информационная составляющая сигнала, b(T) – уход показаний, вызванный изменением температуры окружающей среды, T – температура </a:t>
-            </a:r>
-            <a:r>
-              <a:rPr lang="en-US">
-                <a:ea typeface="+mn-lt"/>
-                <a:cs typeface="+mn-lt"/>
-              </a:rPr>
-              <a:t>e</a:t>
-            </a:r>
-            <a:r>
-              <a:rPr lang="ru-RU">
-                <a:ea typeface="+mn-lt"/>
-                <a:cs typeface="+mn-lt"/>
-              </a:rPr>
-              <a:t>(</a:t>
-            </a:r>
-            <a:r>
-              <a:rPr lang="en-US">
-                <a:ea typeface="+mn-lt"/>
-                <a:cs typeface="+mn-lt"/>
-              </a:rPr>
-              <a:t>t</a:t>
-            </a:r>
-            <a:r>
-              <a:rPr lang="ru-RU">
-                <a:ea typeface="+mn-lt"/>
-                <a:cs typeface="+mn-lt"/>
-              </a:rPr>
-              <a:t>) – шумовая компонента, N (a, ω, T, t) – ошибки, вызванные условиями среды, a/ω – реальные кинематические величины</a:t>
-            </a:r>
-            <a:endParaRPr lang="ru-RU"/>
-          </a:p>
-        </p:txBody>
-      </p:sp>
-      <p:sp>
-        <p:nvSpPr>
-          <p:cNvPr id="6" name="TextBox 5">
-            <a:extLst>
-              <a:ext uri="{FF2B5EF4-FFF2-40B4-BE49-F238E27FC236}">
-                <a16:creationId xmlns:a16="http://schemas.microsoft.com/office/drawing/2014/main" id="{7C6FC418-7EB9-40FF-942C-85A042EC9F1F}"/>
-              </a:ext>
-            </a:extLst>
-          </p:cNvPr>
-          <p:cNvSpPr txBox="1"/>
-          <p:nvPr/>
-        </p:nvSpPr>
-        <p:spPr>
-          <a:xfrm>
-            <a:off x="1456860" y="666982"/>
-            <a:ext cx="7308201" cy="523220"/>
-          </a:xfrm>
-          <a:prstGeom prst="rect">
-            <a:avLst/>
-          </a:prstGeom>
-          <a:noFill/>
-        </p:spPr>
-        <p:txBody>
-          <a:bodyPr rot="0" spcFirstLastPara="0" vertOverflow="overflow" horzOverflow="overflow" vert="horz" wrap="square" lIns="91440" tIns="45720" rIns="91440" bIns="45720" numCol="1" spcCol="0" rtlCol="0" fromWordArt="0" anchor="t" anchorCtr="0" forceAA="0" compatLnSpc="1">
-            <a:prstTxWarp prst="textNoShape">
-              <a:avLst/>
-            </a:prstTxWarp>
-            <a:spAutoFit/>
-          </a:bodyPr>
-          <a:lstStyle/>
-          <a:p>
-            <a:r>
-              <a:rPr lang="ru-RU" sz="2800"/>
-              <a:t>Ошибки в цифровых инерциальных датчиках</a:t>
-            </a:r>
+              <a:t>Рис. 13 Световые пятна при θ1 = 90, Ф1 = 90 (слева) и θ2 = 78, Ф2 = 78 (справа). Красные границы обозначают исходную форму пятна, а синий - позицию</a:t>
+            </a:r>
+          </a:p>
+          <a:p>
+            <a:pPr indent="457200" algn="just">
+              <a:lnSpc>
+                <a:spcPts val="1800"/>
+              </a:lnSpc>
+              <a:spcBef>
+                <a:spcPts val="600"/>
+              </a:spcBef>
+              <a:spcAft>
+                <a:spcPts val="0"/>
+              </a:spcAft>
+            </a:pPr>
+            <a:endParaRPr lang="ru-RU" sz="1400" dirty="0">
+              <a:effectLst/>
+              <a:latin typeface="Times New Roman" panose="02020603050405020304" pitchFamily="18" charset="0"/>
+              <a:ea typeface="Calibri" panose="020F0502020204030204" pitchFamily="34" charset="0"/>
+              <a:cs typeface="Times New Roman" panose="02020603050405020304" pitchFamily="18" charset="0"/>
+            </a:endParaRPr>
           </a:p>
         </p:txBody>
       </p:sp>
     </p:spTree>
     <p:extLst>
       <p:ext uri="{BB962C8B-B14F-4D97-AF65-F5344CB8AC3E}">
-        <p14:creationId xmlns:p14="http://schemas.microsoft.com/office/powerpoint/2010/main" val="852708646"/>
+        <p14:creationId xmlns:p14="http://schemas.microsoft.com/office/powerpoint/2010/main" val="4252315243"/>
       </p:ext>
     </p:extLst>
   </p:cSld>
@@ -5385,50 +6077,104 @@
           <a:chExt cx="0" cy="0"/>
         </a:xfrm>
       </p:grpSpPr>
-      <p:sp>
-        <p:nvSpPr>
-          <p:cNvPr id="2" name="Заголовок 1">
-            <a:extLst>
-              <a:ext uri="{FF2B5EF4-FFF2-40B4-BE49-F238E27FC236}">
-                <a16:creationId xmlns:a16="http://schemas.microsoft.com/office/drawing/2014/main" id="{DE1AD6AF-5B1B-4486-98D1-568EC510D5AB}"/>
-              </a:ext>
-            </a:extLst>
-          </p:cNvPr>
-          <p:cNvSpPr>
-            <a:spLocks noGrp="1"/>
-          </p:cNvSpPr>
-          <p:nvPr>
-            <p:ph type="title"/>
-          </p:nvPr>
-        </p:nvSpPr>
-        <p:spPr>
-          <a:xfrm>
-            <a:off x="1371600" y="193288"/>
-            <a:ext cx="8774152" cy="891169"/>
-          </a:xfrm>
-        </p:spPr>
-        <p:txBody>
-          <a:bodyPr>
-            <a:normAutofit/>
-          </a:bodyPr>
-          <a:lstStyle/>
-          <a:p>
-            <a:r>
-              <a:rPr lang="ru-RU" sz="3200"/>
-              <a:t>Ошибки в цифровых инерциальных датчиках</a:t>
-            </a:r>
-          </a:p>
-        </p:txBody>
-      </p:sp>
+      <p:grpSp>
+        <p:nvGrpSpPr>
+          <p:cNvPr id="4" name="Группа 3"/>
+          <p:cNvGrpSpPr/>
+          <p:nvPr/>
+        </p:nvGrpSpPr>
+        <p:grpSpPr>
+          <a:xfrm>
+            <a:off x="6251171" y="3150523"/>
+            <a:ext cx="5851024" cy="3417075"/>
+            <a:chOff x="0" y="0"/>
+            <a:chExt cx="6120130" cy="3596918"/>
+          </a:xfrm>
+        </p:grpSpPr>
+        <p:pic>
+          <p:nvPicPr>
+            <p:cNvPr id="5" name="Рисунок 4"/>
+            <p:cNvPicPr>
+              <a:picLocks noChangeAspect="1"/>
+            </p:cNvPicPr>
+            <p:nvPr/>
+          </p:nvPicPr>
+          <p:blipFill>
+            <a:blip r:embed="rId2">
+              <a:extLst>
+                <a:ext uri="{28A0092B-C50C-407E-A947-70E740481C1C}">
+                  <a14:useLocalDpi xmlns:a14="http://schemas.microsoft.com/office/drawing/2010/main" val="0"/>
+                </a:ext>
+              </a:extLst>
+            </a:blip>
+            <a:stretch>
+              <a:fillRect/>
+            </a:stretch>
+          </p:blipFill>
+          <p:spPr>
+            <a:xfrm>
+              <a:off x="0" y="0"/>
+              <a:ext cx="6120130" cy="2795270"/>
+            </a:xfrm>
+            <a:prstGeom prst="rect">
+              <a:avLst/>
+            </a:prstGeom>
+          </p:spPr>
+        </p:pic>
+        <p:sp>
+          <p:nvSpPr>
+            <p:cNvPr id="6" name="Надпись 3"/>
+            <p:cNvSpPr txBox="1"/>
+            <p:nvPr/>
+          </p:nvSpPr>
+          <p:spPr>
+            <a:xfrm>
+              <a:off x="750499" y="3045125"/>
+              <a:ext cx="4621530" cy="551793"/>
+            </a:xfrm>
+            <a:prstGeom prst="rect">
+              <a:avLst/>
+            </a:prstGeom>
+            <a:solidFill>
+              <a:prstClr val="white"/>
+            </a:solidFill>
+            <a:ln>
+              <a:noFill/>
+            </a:ln>
+          </p:spPr>
+          <p:txBody>
+            <a:bodyPr rot="0" spcFirstLastPara="0" vert="horz" wrap="square" lIns="0" tIns="0" rIns="0" bIns="0" numCol="1" spcCol="0" rtlCol="0" fromWordArt="0" anchor="t" anchorCtr="0" forceAA="0" compatLnSpc="1">
+              <a:prstTxWarp prst="textNoShape">
+                <a:avLst/>
+              </a:prstTxWarp>
+              <a:noAutofit/>
+            </a:bodyPr>
+            <a:lstStyle/>
+            <a:p>
+              <a:pPr indent="457200" algn="ctr">
+                <a:spcAft>
+                  <a:spcPts val="1000"/>
+                </a:spcAft>
+              </a:pPr>
+              <a:r>
+                <a:rPr lang="ru-RU" sz="1200" i="1">
+                  <a:solidFill>
+                    <a:srgbClr val="000000"/>
+                  </a:solidFill>
+                  <a:effectLst/>
+                  <a:latin typeface="Times New Roman" panose="02020603050405020304" pitchFamily="18" charset="0"/>
+                  <a:ea typeface="Calibri" panose="020F0502020204030204" pitchFamily="34" charset="0"/>
+                  <a:cs typeface="Times New Roman" panose="02020603050405020304" pitchFamily="18" charset="0"/>
+                </a:rPr>
+                <a:t>Рис. 14 Схематическое представление влияние толщины отверстия на финальное изображение</a:t>
+              </a:r>
+            </a:p>
+          </p:txBody>
+        </p:sp>
+      </p:grpSp>
       <p:pic>
         <p:nvPicPr>
-          <p:cNvPr id="4" name="Рисунок 4" descr="Изображение выглядит как текст, карта&#10;&#10;Описание создано с очень высокой степенью достоверности">
-            <a:extLst>
-              <a:ext uri="{FF2B5EF4-FFF2-40B4-BE49-F238E27FC236}">
-                <a16:creationId xmlns:a16="http://schemas.microsoft.com/office/drawing/2014/main" id="{78E3D7A7-D46C-466D-A5F5-3C3EE98BDE05}"/>
-              </a:ext>
-            </a:extLst>
-          </p:cNvPr>
+          <p:cNvPr id="7" name="Объект 3"/>
           <p:cNvPicPr>
             <a:picLocks noGrp="1" noChangeAspect="1"/>
           </p:cNvPicPr>
@@ -5437,141 +6183,30 @@
           </p:nvPr>
         </p:nvPicPr>
         <p:blipFill>
-          <a:blip r:embed="rId2"/>
+          <a:blip r:embed="rId3">
+            <a:extLst>
+              <a:ext uri="{28A0092B-C50C-407E-A947-70E740481C1C}">
+                <a14:useLocalDpi xmlns:a14="http://schemas.microsoft.com/office/drawing/2010/main" val="0"/>
+              </a:ext>
+            </a:extLst>
+          </a:blip>
           <a:stretch>
             <a:fillRect/>
           </a:stretch>
         </p:blipFill>
         <p:spPr>
           <a:xfrm>
-            <a:off x="1017774" y="1082112"/>
-            <a:ext cx="3146052" cy="2523005"/>
-          </a:xfrm>
-        </p:spPr>
-      </p:pic>
-      <p:sp>
-        <p:nvSpPr>
-          <p:cNvPr id="5" name="TextBox 4">
-            <a:extLst>
-              <a:ext uri="{FF2B5EF4-FFF2-40B4-BE49-F238E27FC236}">
-                <a16:creationId xmlns:a16="http://schemas.microsoft.com/office/drawing/2014/main" id="{FE3B1487-A8A9-4876-B4CE-06CFFCDAD238}"/>
-              </a:ext>
-            </a:extLst>
-          </p:cNvPr>
-          <p:cNvSpPr txBox="1"/>
-          <p:nvPr/>
-        </p:nvSpPr>
-        <p:spPr>
-          <a:xfrm>
-            <a:off x="4157546" y="1118839"/>
-            <a:ext cx="2743200" cy="369332"/>
+            <a:off x="6253065" y="297580"/>
+            <a:ext cx="5849130" cy="2719940"/>
           </a:xfrm>
           <a:prstGeom prst="rect">
             <a:avLst/>
           </a:prstGeom>
-          <a:noFill/>
-        </p:spPr>
-        <p:txBody>
-          <a:bodyPr rot="0" spcFirstLastPara="0" vertOverflow="overflow" horzOverflow="overflow" vert="horz" wrap="square" lIns="91440" tIns="45720" rIns="91440" bIns="45720" numCol="1" spcCol="0" rtlCol="0" fromWordArt="0" anchor="t" anchorCtr="0" forceAA="0" compatLnSpc="1">
-            <a:prstTxWarp prst="textNoShape">
-              <a:avLst/>
-            </a:prstTxWarp>
-            <a:spAutoFit/>
-          </a:bodyPr>
-          <a:lstStyle/>
-          <a:p>
-            <a:r>
-              <a:rPr lang="ru-RU"/>
-              <a:t>Случайное блуждание</a:t>
-            </a:r>
-            <a:endParaRPr lang="ru-RU" dirty="0"/>
-          </a:p>
-        </p:txBody>
-      </p:sp>
+        </p:spPr>
+      </p:pic>
       <p:pic>
         <p:nvPicPr>
-          <p:cNvPr id="6" name="Рисунок 6" descr="Изображение выглядит как текст, карта&#10;&#10;Описание создано с очень высокой степенью достоверности">
-            <a:extLst>
-              <a:ext uri="{FF2B5EF4-FFF2-40B4-BE49-F238E27FC236}">
-                <a16:creationId xmlns:a16="http://schemas.microsoft.com/office/drawing/2014/main" id="{96F0579F-7386-4C47-9551-FDDDE1ABE4EA}"/>
-              </a:ext>
-            </a:extLst>
-          </p:cNvPr>
-          <p:cNvPicPr>
-            <a:picLocks noChangeAspect="1"/>
-          </p:cNvPicPr>
-          <p:nvPr/>
-        </p:nvPicPr>
-        <p:blipFill>
-          <a:blip r:embed="rId3"/>
-          <a:stretch>
-            <a:fillRect/>
-          </a:stretch>
-        </p:blipFill>
-        <p:spPr>
-          <a:xfrm>
-            <a:off x="6629400" y="1152253"/>
-            <a:ext cx="3133492" cy="2527690"/>
-          </a:xfrm>
-          <a:prstGeom prst="rect">
-            <a:avLst/>
-          </a:prstGeom>
-        </p:spPr>
-      </p:pic>
-      <p:sp>
-        <p:nvSpPr>
-          <p:cNvPr id="7" name="TextBox 6">
-            <a:extLst>
-              <a:ext uri="{FF2B5EF4-FFF2-40B4-BE49-F238E27FC236}">
-                <a16:creationId xmlns:a16="http://schemas.microsoft.com/office/drawing/2014/main" id="{4E4CE3DC-D25E-41A5-9B3D-9D7965FE6AF3}"/>
-              </a:ext>
-            </a:extLst>
-          </p:cNvPr>
-          <p:cNvSpPr txBox="1"/>
-          <p:nvPr/>
-        </p:nvSpPr>
-        <p:spPr>
-          <a:xfrm>
-            <a:off x="9770326" y="1156009"/>
-            <a:ext cx="2743200" cy="646331"/>
-          </a:xfrm>
-          <a:prstGeom prst="rect">
-            <a:avLst/>
-          </a:prstGeom>
-          <a:noFill/>
-        </p:spPr>
-        <p:txBody>
-          <a:bodyPr rot="0" spcFirstLastPara="0" vertOverflow="overflow" horzOverflow="overflow" vert="horz" wrap="square" lIns="91440" tIns="45720" rIns="91440" bIns="45720" numCol="1" spcCol="0" rtlCol="0" fromWordArt="0" anchor="t" anchorCtr="0" forceAA="0" compatLnSpc="1">
-            <a:prstTxWarp prst="textNoShape">
-              <a:avLst/>
-            </a:prstTxWarp>
-            <a:spAutoFit/>
-          </a:bodyPr>
-          <a:lstStyle/>
-          <a:p>
-            <a:r>
-              <a:rPr lang="ru-RU"/>
-              <a:t>Постоянное</a:t>
-            </a:r>
-          </a:p>
-          <a:p>
-            <a:r>
-              <a:rPr lang="ru-RU"/>
-              <a:t>смещение</a:t>
-            </a:r>
-            <a:endParaRPr lang="ru-RU" dirty="0"/>
-          </a:p>
-        </p:txBody>
-      </p:sp>
-      <p:pic>
-        <p:nvPicPr>
-          <p:cNvPr id="8" name="Рисунок 8" descr="Изображение выглядит как текст, карта&#10;&#10;Описание создано с очень высокой степенью достоверности">
-            <a:extLst>
-              <a:ext uri="{FF2B5EF4-FFF2-40B4-BE49-F238E27FC236}">
-                <a16:creationId xmlns:a16="http://schemas.microsoft.com/office/drawing/2014/main" id="{6E089C9A-52F2-4979-8CD7-9F09B0D1E57E}"/>
-              </a:ext>
-            </a:extLst>
-          </p:cNvPr>
+          <p:cNvPr id="8" name="Рисунок 7"/>
           <p:cNvPicPr>
             <a:picLocks noChangeAspect="1"/>
           </p:cNvPicPr>
@@ -5585,135 +6220,18 @@
         </p:blipFill>
         <p:spPr>
           <a:xfrm>
-            <a:off x="1016620" y="3748914"/>
-            <a:ext cx="3133492" cy="2454635"/>
+            <a:off x="897774" y="2347502"/>
+            <a:ext cx="5137265" cy="3458530"/>
           </a:xfrm>
           <a:prstGeom prst="rect">
             <a:avLst/>
           </a:prstGeom>
         </p:spPr>
       </p:pic>
-      <p:sp>
-        <p:nvSpPr>
-          <p:cNvPr id="9" name="TextBox 8">
-            <a:extLst>
-              <a:ext uri="{FF2B5EF4-FFF2-40B4-BE49-F238E27FC236}">
-                <a16:creationId xmlns:a16="http://schemas.microsoft.com/office/drawing/2014/main" id="{018209B0-4BBA-4813-AD1D-ABCC637A204C}"/>
-              </a:ext>
-            </a:extLst>
-          </p:cNvPr>
-          <p:cNvSpPr txBox="1"/>
-          <p:nvPr/>
-        </p:nvSpPr>
-        <p:spPr>
-          <a:xfrm>
-            <a:off x="4157546" y="3748668"/>
-            <a:ext cx="2743200" cy="646331"/>
-          </a:xfrm>
-          <a:prstGeom prst="rect">
-            <a:avLst/>
-          </a:prstGeom>
-          <a:noFill/>
-        </p:spPr>
-        <p:txBody>
-          <a:bodyPr rot="0" spcFirstLastPara="0" vertOverflow="overflow" horzOverflow="overflow" vert="horz" wrap="square" lIns="91440" tIns="45720" rIns="91440" bIns="45720" numCol="1" spcCol="0" rtlCol="0" fromWordArt="0" anchor="t" anchorCtr="0" forceAA="0" compatLnSpc="1">
-            <a:prstTxWarp prst="textNoShape">
-              <a:avLst/>
-            </a:prstTxWarp>
-            <a:spAutoFit/>
-          </a:bodyPr>
-          <a:lstStyle/>
-          <a:p>
-            <a:r>
-              <a:rPr lang="ru-RU"/>
-              <a:t>Смещение осей </a:t>
-            </a:r>
-            <a:endParaRPr lang="ru-RU" dirty="0"/>
-          </a:p>
-          <a:p>
-            <a:r>
-              <a:rPr lang="ru-RU"/>
-              <a:t>датчика</a:t>
-            </a:r>
-          </a:p>
-        </p:txBody>
-      </p:sp>
-      <p:pic>
-        <p:nvPicPr>
-          <p:cNvPr id="10" name="Рисунок 10" descr="Изображение выглядит как текст, карта&#10;&#10;Описание создано с очень высокой степенью достоверности">
-            <a:extLst>
-              <a:ext uri="{FF2B5EF4-FFF2-40B4-BE49-F238E27FC236}">
-                <a16:creationId xmlns:a16="http://schemas.microsoft.com/office/drawing/2014/main" id="{90011CBE-F6B9-4EC1-A5C5-FCDDC11DDA7F}"/>
-              </a:ext>
-            </a:extLst>
-          </p:cNvPr>
-          <p:cNvPicPr>
-            <a:picLocks noChangeAspect="1"/>
-          </p:cNvPicPr>
-          <p:nvPr/>
-        </p:nvPicPr>
-        <p:blipFill>
-          <a:blip r:embed="rId5"/>
-          <a:stretch>
-            <a:fillRect/>
-          </a:stretch>
-        </p:blipFill>
-        <p:spPr>
-          <a:xfrm>
-            <a:off x="6629400" y="3749469"/>
-            <a:ext cx="3133492" cy="2453524"/>
-          </a:xfrm>
-          <a:prstGeom prst="rect">
-            <a:avLst/>
-          </a:prstGeom>
-        </p:spPr>
-      </p:pic>
-      <p:sp>
-        <p:nvSpPr>
-          <p:cNvPr id="12" name="TextBox 11">
-            <a:extLst>
-              <a:ext uri="{FF2B5EF4-FFF2-40B4-BE49-F238E27FC236}">
-                <a16:creationId xmlns:a16="http://schemas.microsoft.com/office/drawing/2014/main" id="{9B85C0B4-4465-4D0D-9ED5-5C16A706BE30}"/>
-              </a:ext>
-            </a:extLst>
-          </p:cNvPr>
-          <p:cNvSpPr txBox="1"/>
-          <p:nvPr/>
-        </p:nvSpPr>
-        <p:spPr>
-          <a:xfrm>
-            <a:off x="9770326" y="3748668"/>
-            <a:ext cx="2743200" cy="369332"/>
-          </a:xfrm>
-          <a:prstGeom prst="rect">
-            <a:avLst/>
-          </a:prstGeom>
-          <a:noFill/>
-        </p:spPr>
-        <p:txBody>
-          <a:bodyPr rot="0" spcFirstLastPara="0" vertOverflow="overflow" horzOverflow="overflow" vert="horz" wrap="square" lIns="91440" tIns="45720" rIns="91440" bIns="45720" numCol="1" spcCol="0" rtlCol="0" fromWordArt="0" anchor="t" anchorCtr="0" forceAA="0" compatLnSpc="1">
-            <a:prstTxWarp prst="textNoShape">
-              <a:avLst/>
-            </a:prstTxWarp>
-            <a:spAutoFit/>
-          </a:bodyPr>
-          <a:lstStyle/>
-          <a:p>
-            <a:r>
-              <a:rPr lang="ru-RU">
-                <a:ea typeface="+mn-lt"/>
-                <a:cs typeface="+mn-lt"/>
-              </a:rPr>
-              <a:t>Шум квантования</a:t>
-            </a:r>
-            <a:endParaRPr lang="ru-RU"/>
-          </a:p>
-        </p:txBody>
-      </p:sp>
     </p:spTree>
     <p:extLst>
       <p:ext uri="{BB962C8B-B14F-4D97-AF65-F5344CB8AC3E}">
-        <p14:creationId xmlns:p14="http://schemas.microsoft.com/office/powerpoint/2010/main" val="3043335223"/>
+        <p14:creationId xmlns:p14="http://schemas.microsoft.com/office/powerpoint/2010/main" val="3601168164"/>
       </p:ext>
     </p:extLst>
   </p:cSld>
@@ -5742,131 +6260,427 @@
       </p:grpSpPr>
       <p:sp>
         <p:nvSpPr>
-          <p:cNvPr id="2" name="Заголовок 1">
+          <p:cNvPr id="6" name="TextBox 5">
             <a:extLst>
               <a:ext uri="{FF2B5EF4-FFF2-40B4-BE49-F238E27FC236}">
-                <a16:creationId xmlns:a16="http://schemas.microsoft.com/office/drawing/2014/main" id="{501E2993-5683-406E-B073-94A799952A2F}"/>
+                <a16:creationId xmlns:a16="http://schemas.microsoft.com/office/drawing/2014/main" id="{7C6FC418-7EB9-40FF-942C-85A042EC9F1F}"/>
               </a:ext>
             </a:extLst>
           </p:cNvPr>
-          <p:cNvSpPr>
-            <a:spLocks noGrp="1"/>
-          </p:cNvSpPr>
-          <p:nvPr>
-            <p:ph type="title"/>
-          </p:nvPr>
-        </p:nvSpPr>
-        <p:spPr>
-          <a:xfrm>
-            <a:off x="1371600" y="91068"/>
-            <a:ext cx="9601200" cy="1485900"/>
-          </a:xfrm>
-        </p:spPr>
-        <p:txBody>
-          <a:bodyPr/>
+          <p:cNvSpPr txBox="1"/>
+          <p:nvPr/>
+        </p:nvSpPr>
+        <p:spPr>
+          <a:xfrm>
+            <a:off x="1456860" y="666982"/>
+            <a:ext cx="7308201" cy="523220"/>
+          </a:xfrm>
+          <a:prstGeom prst="rect">
+            <a:avLst/>
+          </a:prstGeom>
+          <a:noFill/>
+        </p:spPr>
+        <p:txBody>
+          <a:bodyPr rot="0" spcFirstLastPara="0" vertOverflow="overflow" horzOverflow="overflow" vert="horz" wrap="square" lIns="91440" tIns="45720" rIns="91440" bIns="45720" numCol="1" spcCol="0" rtlCol="0" fromWordArt="0" anchor="t" anchorCtr="0" forceAA="0" compatLnSpc="1">
+            <a:prstTxWarp prst="textNoShape">
+              <a:avLst/>
+            </a:prstTxWarp>
+            <a:spAutoFit/>
+          </a:bodyPr>
           <a:lstStyle/>
           <a:p>
             <a:r>
-              <a:rPr lang="ru-RU"/>
-              <a:t>Моделирование в MATLAB</a:t>
-            </a:r>
-          </a:p>
-        </p:txBody>
-      </p:sp>
-      <p:pic>
-        <p:nvPicPr>
-          <p:cNvPr id="5" name="Рисунок 5">
+              <a:rPr lang="ru-RU" sz="2800" dirty="0" smtClean="0"/>
+              <a:t>Алгоритмы поиска изображения</a:t>
+            </a:r>
+            <a:endParaRPr lang="ru-RU" sz="2800" dirty="0"/>
+          </a:p>
+        </p:txBody>
+      </p:sp>
+      <p:grpSp>
+        <p:nvGrpSpPr>
+          <p:cNvPr id="10" name="Группа 9"/>
+          <p:cNvGrpSpPr/>
+          <p:nvPr/>
+        </p:nvGrpSpPr>
+        <p:grpSpPr>
+          <a:xfrm>
+            <a:off x="5704996" y="1190202"/>
+            <a:ext cx="6120130" cy="4596558"/>
+            <a:chOff x="-1579075" y="91249"/>
+            <a:chExt cx="6120130" cy="4596823"/>
+          </a:xfrm>
+        </p:grpSpPr>
+        <p:pic>
+          <p:nvPicPr>
+            <p:cNvPr id="11" name="Рисунок 10"/>
+            <p:cNvPicPr>
+              <a:picLocks noChangeAspect="1"/>
+            </p:cNvPicPr>
+            <p:nvPr/>
+          </p:nvPicPr>
+          <p:blipFill>
+            <a:blip r:embed="rId2">
+              <a:extLst>
+                <a:ext uri="{28A0092B-C50C-407E-A947-70E740481C1C}">
+                  <a14:useLocalDpi xmlns:a14="http://schemas.microsoft.com/office/drawing/2010/main" val="0"/>
+                </a:ext>
+              </a:extLst>
+            </a:blip>
+            <a:stretch>
+              <a:fillRect/>
+            </a:stretch>
+          </p:blipFill>
+          <p:spPr>
+            <a:xfrm>
+              <a:off x="-1579075" y="91249"/>
+              <a:ext cx="6120130" cy="4052570"/>
+            </a:xfrm>
+            <a:prstGeom prst="rect">
+              <a:avLst/>
+            </a:prstGeom>
+          </p:spPr>
+        </p:pic>
+        <p:sp>
+          <p:nvSpPr>
+            <p:cNvPr id="12" name="Надпись 11"/>
+            <p:cNvSpPr txBox="1"/>
+            <p:nvPr/>
+          </p:nvSpPr>
+          <p:spPr>
+            <a:xfrm>
+              <a:off x="-829775" y="4317007"/>
+              <a:ext cx="4621530" cy="371065"/>
+            </a:xfrm>
+            <a:prstGeom prst="rect">
+              <a:avLst/>
+            </a:prstGeom>
+            <a:solidFill>
+              <a:prstClr val="white"/>
+            </a:solidFill>
+            <a:ln>
+              <a:noFill/>
+            </a:ln>
+          </p:spPr>
+          <p:txBody>
+            <a:bodyPr rot="0" spcFirstLastPara="0" vert="horz" wrap="square" lIns="0" tIns="0" rIns="0" bIns="0" numCol="1" spcCol="0" rtlCol="0" fromWordArt="0" anchor="t" anchorCtr="0" forceAA="0" compatLnSpc="1">
+              <a:prstTxWarp prst="textNoShape">
+                <a:avLst/>
+              </a:prstTxWarp>
+              <a:noAutofit/>
+            </a:bodyPr>
+            <a:lstStyle/>
+            <a:p>
+              <a:pPr indent="457200" algn="ctr">
+                <a:spcAft>
+                  <a:spcPts val="1000"/>
+                </a:spcAft>
+              </a:pPr>
+              <a:r>
+                <a:rPr lang="ru-RU" sz="1200" i="1" dirty="0">
+                  <a:solidFill>
+                    <a:srgbClr val="000000"/>
+                  </a:solidFill>
+                  <a:effectLst/>
+                  <a:latin typeface="Times New Roman" panose="02020603050405020304" pitchFamily="18" charset="0"/>
+                  <a:ea typeface="Calibri" panose="020F0502020204030204" pitchFamily="34" charset="0"/>
+                  <a:cs typeface="Times New Roman" panose="02020603050405020304" pitchFamily="18" charset="0"/>
+                </a:rPr>
+                <a:t>Рис. 15 Локализация пятна после случайного обнаружения пикселя пятна</a:t>
+              </a:r>
+            </a:p>
+          </p:txBody>
+        </p:sp>
+      </p:grpSp>
+      <p:sp>
+        <p:nvSpPr>
+          <p:cNvPr id="14" name="Объект 2">
             <a:extLst>
               <a:ext uri="{FF2B5EF4-FFF2-40B4-BE49-F238E27FC236}">
-                <a16:creationId xmlns:a16="http://schemas.microsoft.com/office/drawing/2014/main" id="{BD29F316-7FA7-45E2-A5DA-83CA18107E37}"/>
+                <a16:creationId xmlns:a16="http://schemas.microsoft.com/office/drawing/2014/main" id="{D3D819C6-B165-4E17-AF33-414CE3778D25}"/>
               </a:ext>
             </a:extLst>
           </p:cNvPr>
-          <p:cNvPicPr>
-            <a:picLocks noChangeAspect="1"/>
-          </p:cNvPicPr>
+          <p:cNvSpPr txBox="1">
+            <a:spLocks/>
+          </p:cNvSpPr>
           <p:nvPr/>
-        </p:nvPicPr>
-        <p:blipFill>
-          <a:blip r:embed="rId2"/>
-          <a:stretch>
-            <a:fillRect/>
-          </a:stretch>
-        </p:blipFill>
-        <p:spPr>
-          <a:xfrm>
-            <a:off x="925771" y="709795"/>
-            <a:ext cx="5196467" cy="3198872"/>
+        </p:nvSpPr>
+        <p:spPr>
+          <a:xfrm>
+            <a:off x="1456860" y="1523676"/>
+            <a:ext cx="3231518" cy="2765692"/>
           </a:xfrm>
           <a:prstGeom prst="rect">
             <a:avLst/>
           </a:prstGeom>
         </p:spPr>
-      </p:pic>
-      <p:pic>
-        <p:nvPicPr>
-          <p:cNvPr id="6" name="Рисунок 6">
-            <a:extLst>
-              <a:ext uri="{FF2B5EF4-FFF2-40B4-BE49-F238E27FC236}">
-                <a16:creationId xmlns:a16="http://schemas.microsoft.com/office/drawing/2014/main" id="{E620FD85-613C-42D2-B022-0B51E5A83730}"/>
-              </a:ext>
-            </a:extLst>
-          </p:cNvPr>
-          <p:cNvPicPr>
-            <a:picLocks noChangeAspect="1"/>
-          </p:cNvPicPr>
-          <p:nvPr/>
-        </p:nvPicPr>
-        <p:blipFill>
-          <a:blip r:embed="rId3"/>
-          <a:stretch>
-            <a:fillRect/>
-          </a:stretch>
-        </p:blipFill>
-        <p:spPr>
-          <a:xfrm>
-            <a:off x="6625464" y="708876"/>
-            <a:ext cx="5289395" cy="3200707"/>
-          </a:xfrm>
-          <a:prstGeom prst="rect">
-            <a:avLst/>
-          </a:prstGeom>
-        </p:spPr>
-      </p:pic>
-      <p:pic>
-        <p:nvPicPr>
-          <p:cNvPr id="9" name="Рисунок 9" descr="Изображение выглядит как карта, текст&#10;&#10;Описание создано с очень высокой степенью достоверности">
-            <a:extLst>
-              <a:ext uri="{FF2B5EF4-FFF2-40B4-BE49-F238E27FC236}">
-                <a16:creationId xmlns:a16="http://schemas.microsoft.com/office/drawing/2014/main" id="{B9D9AD80-4A23-44ED-A7E6-2EB1F3D9EB82}"/>
-              </a:ext>
-            </a:extLst>
-          </p:cNvPr>
-          <p:cNvPicPr>
-            <a:picLocks noChangeAspect="1"/>
-          </p:cNvPicPr>
-          <p:nvPr/>
-        </p:nvPicPr>
-        <p:blipFill>
-          <a:blip r:embed="rId4"/>
-          <a:stretch>
-            <a:fillRect/>
-          </a:stretch>
-        </p:blipFill>
-        <p:spPr>
-          <a:xfrm>
-            <a:off x="3655742" y="3919481"/>
-            <a:ext cx="5289393" cy="2866210"/>
-          </a:xfrm>
-          <a:prstGeom prst="rect">
-            <a:avLst/>
-          </a:prstGeom>
-        </p:spPr>
-      </p:pic>
+        <p:txBody>
+          <a:bodyPr vert="horz" lIns="91440" tIns="45720" rIns="91440" bIns="45720" rtlCol="0" anchor="t">
+            <a:normAutofit/>
+          </a:bodyPr>
+          <a:lstStyle>
+            <a:lvl1pPr marL="384048" indent="-384048" algn="l" defTabSz="914400" rtl="0" eaLnBrk="1" latinLnBrk="0" hangingPunct="1">
+              <a:lnSpc>
+                <a:spcPct val="94000"/>
+              </a:lnSpc>
+              <a:spcBef>
+                <a:spcPts val="1000"/>
+              </a:spcBef>
+              <a:spcAft>
+                <a:spcPts val="200"/>
+              </a:spcAft>
+              <a:buFont typeface="Franklin Gothic Book" panose="020B0503020102020204" pitchFamily="34" charset="0"/>
+              <a:buChar char="■"/>
+              <a:defRPr sz="2000" kern="1200" baseline="0">
+                <a:solidFill>
+                  <a:schemeClr val="tx2"/>
+                </a:solidFill>
+                <a:latin typeface="+mn-lt"/>
+                <a:ea typeface="+mn-ea"/>
+                <a:cs typeface="+mn-cs"/>
+              </a:defRPr>
+            </a:lvl1pPr>
+            <a:lvl2pPr marL="914400" indent="-384048" algn="l" defTabSz="914400" rtl="0" eaLnBrk="1" latinLnBrk="0" hangingPunct="1">
+              <a:lnSpc>
+                <a:spcPct val="94000"/>
+              </a:lnSpc>
+              <a:spcBef>
+                <a:spcPts val="500"/>
+              </a:spcBef>
+              <a:spcAft>
+                <a:spcPts val="200"/>
+              </a:spcAft>
+              <a:buFont typeface="Franklin Gothic Book" panose="020B0503020102020204" pitchFamily="34" charset="0"/>
+              <a:buChar char="–"/>
+              <a:defRPr sz="2000" i="1" kern="1200" baseline="0">
+                <a:solidFill>
+                  <a:schemeClr val="tx2"/>
+                </a:solidFill>
+                <a:latin typeface="+mn-lt"/>
+                <a:ea typeface="+mn-ea"/>
+                <a:cs typeface="+mn-cs"/>
+              </a:defRPr>
+            </a:lvl2pPr>
+            <a:lvl3pPr marL="1371600" indent="-384048" algn="l" defTabSz="914400" rtl="0" eaLnBrk="1" latinLnBrk="0" hangingPunct="1">
+              <a:lnSpc>
+                <a:spcPct val="94000"/>
+              </a:lnSpc>
+              <a:spcBef>
+                <a:spcPts val="500"/>
+              </a:spcBef>
+              <a:spcAft>
+                <a:spcPts val="200"/>
+              </a:spcAft>
+              <a:buFont typeface="Franklin Gothic Book" panose="020B0503020102020204" pitchFamily="34" charset="0"/>
+              <a:buChar char="■"/>
+              <a:defRPr sz="1800" kern="1200" baseline="0">
+                <a:solidFill>
+                  <a:schemeClr val="tx2"/>
+                </a:solidFill>
+                <a:latin typeface="+mn-lt"/>
+                <a:ea typeface="+mn-ea"/>
+                <a:cs typeface="+mn-cs"/>
+              </a:defRPr>
+            </a:lvl3pPr>
+            <a:lvl4pPr marL="1828800" indent="-384048" algn="l" defTabSz="914400" rtl="0" eaLnBrk="1" latinLnBrk="0" hangingPunct="1">
+              <a:lnSpc>
+                <a:spcPct val="94000"/>
+              </a:lnSpc>
+              <a:spcBef>
+                <a:spcPts val="500"/>
+              </a:spcBef>
+              <a:spcAft>
+                <a:spcPts val="200"/>
+              </a:spcAft>
+              <a:buFont typeface="Franklin Gothic Book" panose="020B0503020102020204" pitchFamily="34" charset="0"/>
+              <a:buChar char="–"/>
+              <a:defRPr sz="1800" i="1" kern="1200" baseline="0">
+                <a:solidFill>
+                  <a:schemeClr val="tx2"/>
+                </a:solidFill>
+                <a:latin typeface="+mn-lt"/>
+                <a:ea typeface="+mn-ea"/>
+                <a:cs typeface="+mn-cs"/>
+              </a:defRPr>
+            </a:lvl4pPr>
+            <a:lvl5pPr marL="2286000" indent="-384048" algn="l" defTabSz="914400" rtl="0" eaLnBrk="1" latinLnBrk="0" hangingPunct="1">
+              <a:lnSpc>
+                <a:spcPct val="94000"/>
+              </a:lnSpc>
+              <a:spcBef>
+                <a:spcPts val="500"/>
+              </a:spcBef>
+              <a:spcAft>
+                <a:spcPts val="200"/>
+              </a:spcAft>
+              <a:buFont typeface="Franklin Gothic Book" panose="020B0503020102020204" pitchFamily="34" charset="0"/>
+              <a:buChar char="■"/>
+              <a:defRPr sz="1600" kern="1200" baseline="0">
+                <a:solidFill>
+                  <a:schemeClr val="tx2"/>
+                </a:solidFill>
+                <a:latin typeface="+mn-lt"/>
+                <a:ea typeface="+mn-ea"/>
+                <a:cs typeface="+mn-cs"/>
+              </a:defRPr>
+            </a:lvl5pPr>
+            <a:lvl6pPr marL="2743200" indent="-384048" algn="l" defTabSz="914400" rtl="0" eaLnBrk="1" latinLnBrk="0" hangingPunct="1">
+              <a:lnSpc>
+                <a:spcPct val="94000"/>
+              </a:lnSpc>
+              <a:spcBef>
+                <a:spcPts val="500"/>
+              </a:spcBef>
+              <a:spcAft>
+                <a:spcPts val="200"/>
+              </a:spcAft>
+              <a:buFont typeface="Franklin Gothic Book" panose="020B0503020102020204" pitchFamily="34" charset="0"/>
+              <a:buChar char="–"/>
+              <a:defRPr sz="1600" i="1" kern="1200" baseline="0">
+                <a:solidFill>
+                  <a:schemeClr val="tx2"/>
+                </a:solidFill>
+                <a:latin typeface="+mn-lt"/>
+                <a:ea typeface="+mn-ea"/>
+                <a:cs typeface="+mn-cs"/>
+              </a:defRPr>
+            </a:lvl6pPr>
+            <a:lvl7pPr marL="3200400" indent="-384048" algn="l" defTabSz="914400" rtl="0" eaLnBrk="1" latinLnBrk="0" hangingPunct="1">
+              <a:lnSpc>
+                <a:spcPct val="94000"/>
+              </a:lnSpc>
+              <a:spcBef>
+                <a:spcPts val="500"/>
+              </a:spcBef>
+              <a:spcAft>
+                <a:spcPts val="200"/>
+              </a:spcAft>
+              <a:buFont typeface="Franklin Gothic Book" panose="020B0503020102020204" pitchFamily="34" charset="0"/>
+              <a:buChar char="■"/>
+              <a:defRPr sz="1400" kern="1200" baseline="0">
+                <a:solidFill>
+                  <a:schemeClr val="tx2"/>
+                </a:solidFill>
+                <a:latin typeface="+mn-lt"/>
+                <a:ea typeface="+mn-ea"/>
+                <a:cs typeface="+mn-cs"/>
+              </a:defRPr>
+            </a:lvl7pPr>
+            <a:lvl8pPr marL="3657600" indent="-384048" algn="l" defTabSz="914400" rtl="0" eaLnBrk="1" latinLnBrk="0" hangingPunct="1">
+              <a:lnSpc>
+                <a:spcPct val="94000"/>
+              </a:lnSpc>
+              <a:spcBef>
+                <a:spcPts val="500"/>
+              </a:spcBef>
+              <a:spcAft>
+                <a:spcPts val="200"/>
+              </a:spcAft>
+              <a:buFont typeface="Franklin Gothic Book" panose="020B0503020102020204" pitchFamily="34" charset="0"/>
+              <a:buChar char="–"/>
+              <a:defRPr sz="1400" i="1" kern="1200" baseline="0">
+                <a:solidFill>
+                  <a:schemeClr val="tx2"/>
+                </a:solidFill>
+                <a:latin typeface="+mn-lt"/>
+                <a:ea typeface="+mn-ea"/>
+                <a:cs typeface="+mn-cs"/>
+              </a:defRPr>
+            </a:lvl8pPr>
+            <a:lvl9pPr marL="4114800" indent="-384048" algn="l" defTabSz="914400" rtl="0" eaLnBrk="1" latinLnBrk="0" hangingPunct="1">
+              <a:lnSpc>
+                <a:spcPct val="94000"/>
+              </a:lnSpc>
+              <a:spcBef>
+                <a:spcPts val="500"/>
+              </a:spcBef>
+              <a:spcAft>
+                <a:spcPts val="200"/>
+              </a:spcAft>
+              <a:buFont typeface="Franklin Gothic Book" panose="020B0503020102020204" pitchFamily="34" charset="0"/>
+              <a:buChar char="■"/>
+              <a:defRPr sz="1400" kern="1200" baseline="0">
+                <a:solidFill>
+                  <a:schemeClr val="tx2"/>
+                </a:solidFill>
+                <a:latin typeface="+mn-lt"/>
+                <a:ea typeface="+mn-ea"/>
+                <a:cs typeface="+mn-cs"/>
+              </a:defRPr>
+            </a:lvl9pPr>
+          </a:lstStyle>
+          <a:p>
+            <a:pPr marL="383540" indent="-383540"/>
+            <a:r>
+              <a:rPr lang="en-US" dirty="0" smtClean="0"/>
+              <a:t>Brut Force</a:t>
+            </a:r>
+          </a:p>
+          <a:p>
+            <a:pPr marL="383540" indent="-383540"/>
+            <a:r>
+              <a:rPr lang="en-US" dirty="0" smtClean="0"/>
+              <a:t>Rand</a:t>
+            </a:r>
+          </a:p>
+          <a:p>
+            <a:pPr marL="0" indent="0">
+              <a:buNone/>
+            </a:pPr>
+            <a:r>
+              <a:rPr lang="ru-RU" dirty="0" smtClean="0"/>
+              <a:t>Размеры матрицы</a:t>
+            </a:r>
+            <a:r>
+              <a:rPr lang="en-US" dirty="0" smtClean="0"/>
+              <a:t>:</a:t>
+            </a:r>
+            <a:r>
+              <a:rPr lang="ru-RU" dirty="0" smtClean="0"/>
+              <a:t> </a:t>
+            </a:r>
+          </a:p>
+          <a:p>
+            <a:pPr marL="0" indent="0">
+              <a:buNone/>
+            </a:pPr>
+            <a:r>
+              <a:rPr lang="ru-RU" dirty="0" smtClean="0"/>
+              <a:t>752 х 480 = 360 960</a:t>
+            </a:r>
+            <a:endParaRPr lang="en-US" dirty="0"/>
+          </a:p>
+          <a:p>
+            <a:pPr marL="383540" indent="-383540"/>
+            <a:r>
+              <a:rPr lang="en-US" dirty="0" smtClean="0"/>
+              <a:t>Brut Force</a:t>
+            </a:r>
+            <a:r>
+              <a:rPr lang="ru-RU" dirty="0" smtClean="0"/>
+              <a:t> с выходом</a:t>
+            </a:r>
+            <a:endParaRPr lang="en-US" dirty="0" smtClean="0"/>
+          </a:p>
+          <a:p>
+            <a:pPr marL="383540" indent="-383540"/>
+            <a:r>
+              <a:rPr lang="en-US" dirty="0" smtClean="0"/>
+              <a:t>Rand </a:t>
+            </a:r>
+            <a:r>
+              <a:rPr lang="ru-RU" dirty="0" smtClean="0"/>
+              <a:t>с выходом</a:t>
+            </a:r>
+            <a:endParaRPr lang="ru-RU" dirty="0"/>
+          </a:p>
+        </p:txBody>
+      </p:sp>
     </p:spTree>
     <p:extLst>
       <p:ext uri="{BB962C8B-B14F-4D97-AF65-F5344CB8AC3E}">
-        <p14:creationId xmlns:p14="http://schemas.microsoft.com/office/powerpoint/2010/main" val="4073613270"/>
+        <p14:creationId xmlns:p14="http://schemas.microsoft.com/office/powerpoint/2010/main" val="852708646"/>
       </p:ext>
     </p:extLst>
   </p:cSld>
@@ -5893,15 +6707,39 @@
           <a:chExt cx="0" cy="0"/>
         </a:xfrm>
       </p:grpSpPr>
+      <p:sp>
+        <p:nvSpPr>
+          <p:cNvPr id="11" name="Заголовок 10"/>
+          <p:cNvSpPr>
+            <a:spLocks noGrp="1"/>
+          </p:cNvSpPr>
+          <p:nvPr>
+            <p:ph type="title"/>
+          </p:nvPr>
+        </p:nvSpPr>
+        <p:spPr>
+          <a:xfrm>
+            <a:off x="1371600" y="685800"/>
+            <a:ext cx="2244436" cy="676185"/>
+          </a:xfrm>
+        </p:spPr>
+        <p:txBody>
+          <a:bodyPr>
+            <a:normAutofit fontScale="90000"/>
+          </a:bodyPr>
+          <a:lstStyle/>
+          <a:p>
+            <a:r>
+              <a:rPr lang="en-US" dirty="0" smtClean="0"/>
+              <a:t>Overall</a:t>
+            </a:r>
+            <a:endParaRPr lang="ru-RU" dirty="0"/>
+          </a:p>
+        </p:txBody>
+      </p:sp>
       <p:pic>
         <p:nvPicPr>
-          <p:cNvPr id="4" name="Рисунок 4" descr="Изображение выглядит как большой, стол, океан, группа&#10;&#10;Описание создано с очень высокой степенью достоверности">
-            <a:extLst>
-              <a:ext uri="{FF2B5EF4-FFF2-40B4-BE49-F238E27FC236}">
-                <a16:creationId xmlns:a16="http://schemas.microsoft.com/office/drawing/2014/main" id="{B91B0DD5-DC19-402D-B7BD-86706D97CA23}"/>
-              </a:ext>
-            </a:extLst>
-          </p:cNvPr>
+          <p:cNvPr id="14" name="Рисунок 13"/>
           <p:cNvPicPr>
             <a:picLocks noChangeAspect="1"/>
           </p:cNvPicPr>
@@ -5915,38 +6753,8 @@
         </p:blipFill>
         <p:spPr>
           <a:xfrm>
-            <a:off x="1983059" y="1798"/>
-            <a:ext cx="8225883" cy="3499744"/>
-          </a:xfrm>
-          <a:prstGeom prst="rect">
-            <a:avLst/>
-          </a:prstGeom>
-        </p:spPr>
-      </p:pic>
-      <p:pic>
-        <p:nvPicPr>
-          <p:cNvPr id="5" name="Рисунок 5" descr="Изображение выглядит как карта, вода, катается на лыжах, лодка&#10;&#10;Описание создано с очень высокой степенью достоверности">
-            <a:extLst>
-              <a:ext uri="{FF2B5EF4-FFF2-40B4-BE49-F238E27FC236}">
-                <a16:creationId xmlns:a16="http://schemas.microsoft.com/office/drawing/2014/main" id="{0F6CF2AB-C9FD-4376-B1A4-A5BA40A9D82B}"/>
-              </a:ext>
-            </a:extLst>
-          </p:cNvPr>
-          <p:cNvPicPr>
-            <a:picLocks noChangeAspect="1"/>
-          </p:cNvPicPr>
-          <p:nvPr/>
-        </p:nvPicPr>
-        <p:blipFill>
-          <a:blip r:embed="rId3"/>
-          <a:stretch>
-            <a:fillRect/>
-          </a:stretch>
-        </p:blipFill>
-        <p:spPr>
-          <a:xfrm>
-            <a:off x="1983059" y="3504010"/>
-            <a:ext cx="8225882" cy="3316150"/>
+            <a:off x="1371600" y="1361985"/>
+            <a:ext cx="8460191" cy="5349936"/>
           </a:xfrm>
           <a:prstGeom prst="rect">
             <a:avLst/>
@@ -5956,7 +6764,7 @@
     </p:spTree>
     <p:extLst>
       <p:ext uri="{BB962C8B-B14F-4D97-AF65-F5344CB8AC3E}">
-        <p14:creationId xmlns:p14="http://schemas.microsoft.com/office/powerpoint/2010/main" val="337422868"/>
+        <p14:creationId xmlns:p14="http://schemas.microsoft.com/office/powerpoint/2010/main" val="3043335223"/>
       </p:ext>
     </p:extLst>
   </p:cSld>

--- a/Презентация 5.pptx
+++ b/Презентация 5.pptx
@@ -1,9 +1,12 @@
 
 <file path=ppt/presentation.xml><?xml version="1.0" encoding="utf-8"?>
-<p:presentation xmlns:a="http://schemas.openxmlformats.org/drawingml/2006/main" xmlns:r="http://schemas.openxmlformats.org/officeDocument/2006/relationships" xmlns:p="http://schemas.openxmlformats.org/presentationml/2006/main" autoCompressPictures="0">
+<p:presentation xmlns:a="http://schemas.openxmlformats.org/drawingml/2006/main" xmlns:r="http://schemas.openxmlformats.org/officeDocument/2006/relationships" xmlns:p="http://schemas.openxmlformats.org/presentationml/2006/main" showSpecialPlsOnTitleSld="0" autoCompressPictures="0">
   <p:sldMasterIdLst>
     <p:sldMasterId id="2147483648" r:id="rId1"/>
   </p:sldMasterIdLst>
+  <p:notesMasterIdLst>
+    <p:notesMasterId r:id="rId18"/>
+  </p:notesMasterIdLst>
   <p:sldIdLst>
     <p:sldId id="256" r:id="rId2"/>
     <p:sldId id="257" r:id="rId3"/>
@@ -135,6 +138,356 @@
 </p1510:revInfo>
 </file>
 
+<file path=ppt/notesMasters/notesMaster1.xml><?xml version="1.0" encoding="utf-8"?>
+<p:notesMaster xmlns:a="http://schemas.openxmlformats.org/drawingml/2006/main" xmlns:r="http://schemas.openxmlformats.org/officeDocument/2006/relationships" xmlns:p="http://schemas.openxmlformats.org/presentationml/2006/main">
+  <p:cSld>
+    <p:bg>
+      <p:bgRef idx="1001">
+        <a:schemeClr val="bg1"/>
+      </p:bgRef>
+    </p:bg>
+    <p:spTree>
+      <p:nvGrpSpPr>
+        <p:cNvPr id="1" name=""/>
+        <p:cNvGrpSpPr/>
+        <p:nvPr/>
+      </p:nvGrpSpPr>
+      <p:grpSpPr>
+        <a:xfrm>
+          <a:off x="0" y="0"/>
+          <a:ext cx="0" cy="0"/>
+          <a:chOff x="0" y="0"/>
+          <a:chExt cx="0" cy="0"/>
+        </a:xfrm>
+      </p:grpSpPr>
+      <p:sp>
+        <p:nvSpPr>
+          <p:cNvPr id="2" name="Верхний колонтитул 1"/>
+          <p:cNvSpPr>
+            <a:spLocks noGrp="1"/>
+          </p:cNvSpPr>
+          <p:nvPr>
+            <p:ph type="hdr" sz="quarter"/>
+          </p:nvPr>
+        </p:nvSpPr>
+        <p:spPr>
+          <a:xfrm>
+            <a:off x="0" y="0"/>
+            <a:ext cx="2971800" cy="458788"/>
+          </a:xfrm>
+          <a:prstGeom prst="rect">
+            <a:avLst/>
+          </a:prstGeom>
+        </p:spPr>
+        <p:txBody>
+          <a:bodyPr vert="horz" lIns="91440" tIns="45720" rIns="91440" bIns="45720" rtlCol="0"/>
+          <a:lstStyle>
+            <a:lvl1pPr algn="l">
+              <a:defRPr sz="1200"/>
+            </a:lvl1pPr>
+          </a:lstStyle>
+          <a:p>
+            <a:endParaRPr lang="ru-RU"/>
+          </a:p>
+        </p:txBody>
+      </p:sp>
+      <p:sp>
+        <p:nvSpPr>
+          <p:cNvPr id="3" name="Дата 2"/>
+          <p:cNvSpPr>
+            <a:spLocks noGrp="1"/>
+          </p:cNvSpPr>
+          <p:nvPr>
+            <p:ph type="dt" idx="1"/>
+          </p:nvPr>
+        </p:nvSpPr>
+        <p:spPr>
+          <a:xfrm>
+            <a:off x="3884613" y="0"/>
+            <a:ext cx="2971800" cy="458788"/>
+          </a:xfrm>
+          <a:prstGeom prst="rect">
+            <a:avLst/>
+          </a:prstGeom>
+        </p:spPr>
+        <p:txBody>
+          <a:bodyPr vert="horz" lIns="91440" tIns="45720" rIns="91440" bIns="45720" rtlCol="0"/>
+          <a:lstStyle>
+            <a:lvl1pPr algn="r">
+              <a:defRPr sz="1200"/>
+            </a:lvl1pPr>
+          </a:lstStyle>
+          <a:p>
+            <a:fld id="{C92C8CD9-1F22-4558-93F3-38CFB2670C2B}" type="datetimeFigureOut">
+              <a:rPr lang="ru-RU" smtClean="0"/>
+              <a:t>28.12.2020</a:t>
+            </a:fld>
+            <a:endParaRPr lang="ru-RU"/>
+          </a:p>
+        </p:txBody>
+      </p:sp>
+      <p:sp>
+        <p:nvSpPr>
+          <p:cNvPr id="4" name="Образ слайда 3"/>
+          <p:cNvSpPr>
+            <a:spLocks noGrp="1" noRot="1" noChangeAspect="1"/>
+          </p:cNvSpPr>
+          <p:nvPr>
+            <p:ph type="sldImg" idx="2"/>
+          </p:nvPr>
+        </p:nvSpPr>
+        <p:spPr>
+          <a:xfrm>
+            <a:off x="685800" y="1143000"/>
+            <a:ext cx="5486400" cy="3086100"/>
+          </a:xfrm>
+          <a:prstGeom prst="rect">
+            <a:avLst/>
+          </a:prstGeom>
+          <a:noFill/>
+          <a:ln w="12700">
+            <a:solidFill>
+              <a:prstClr val="black"/>
+            </a:solidFill>
+          </a:ln>
+        </p:spPr>
+        <p:txBody>
+          <a:bodyPr vert="horz" lIns="91440" tIns="45720" rIns="91440" bIns="45720" rtlCol="0" anchor="ctr"/>
+          <a:lstStyle/>
+          <a:p>
+            <a:endParaRPr lang="ru-RU"/>
+          </a:p>
+        </p:txBody>
+      </p:sp>
+      <p:sp>
+        <p:nvSpPr>
+          <p:cNvPr id="5" name="Заметки 4"/>
+          <p:cNvSpPr>
+            <a:spLocks noGrp="1"/>
+          </p:cNvSpPr>
+          <p:nvPr>
+            <p:ph type="body" sz="quarter" idx="3"/>
+          </p:nvPr>
+        </p:nvSpPr>
+        <p:spPr>
+          <a:xfrm>
+            <a:off x="685800" y="4400550"/>
+            <a:ext cx="5486400" cy="3600450"/>
+          </a:xfrm>
+          <a:prstGeom prst="rect">
+            <a:avLst/>
+          </a:prstGeom>
+        </p:spPr>
+        <p:txBody>
+          <a:bodyPr vert="horz" lIns="91440" tIns="45720" rIns="91440" bIns="45720" rtlCol="0"/>
+          <a:lstStyle/>
+          <a:p>
+            <a:pPr lvl="0"/>
+            <a:r>
+              <a:rPr lang="ru-RU" smtClean="0"/>
+              <a:t>Образец текста</a:t>
+            </a:r>
+          </a:p>
+          <a:p>
+            <a:pPr lvl="1"/>
+            <a:r>
+              <a:rPr lang="ru-RU" smtClean="0"/>
+              <a:t>Второй уровень</a:t>
+            </a:r>
+          </a:p>
+          <a:p>
+            <a:pPr lvl="2"/>
+            <a:r>
+              <a:rPr lang="ru-RU" smtClean="0"/>
+              <a:t>Третий уровень</a:t>
+            </a:r>
+          </a:p>
+          <a:p>
+            <a:pPr lvl="3"/>
+            <a:r>
+              <a:rPr lang="ru-RU" smtClean="0"/>
+              <a:t>Четвертый уровень</a:t>
+            </a:r>
+          </a:p>
+          <a:p>
+            <a:pPr lvl="4"/>
+            <a:r>
+              <a:rPr lang="ru-RU" smtClean="0"/>
+              <a:t>Пятый уровень</a:t>
+            </a:r>
+            <a:endParaRPr lang="ru-RU"/>
+          </a:p>
+        </p:txBody>
+      </p:sp>
+      <p:sp>
+        <p:nvSpPr>
+          <p:cNvPr id="6" name="Нижний колонтитул 5"/>
+          <p:cNvSpPr>
+            <a:spLocks noGrp="1"/>
+          </p:cNvSpPr>
+          <p:nvPr>
+            <p:ph type="ftr" sz="quarter" idx="4"/>
+          </p:nvPr>
+        </p:nvSpPr>
+        <p:spPr>
+          <a:xfrm>
+            <a:off x="0" y="8685213"/>
+            <a:ext cx="2971800" cy="458787"/>
+          </a:xfrm>
+          <a:prstGeom prst="rect">
+            <a:avLst/>
+          </a:prstGeom>
+        </p:spPr>
+        <p:txBody>
+          <a:bodyPr vert="horz" lIns="91440" tIns="45720" rIns="91440" bIns="45720" rtlCol="0" anchor="b"/>
+          <a:lstStyle>
+            <a:lvl1pPr algn="l">
+              <a:defRPr sz="1200"/>
+            </a:lvl1pPr>
+          </a:lstStyle>
+          <a:p>
+            <a:endParaRPr lang="ru-RU"/>
+          </a:p>
+        </p:txBody>
+      </p:sp>
+      <p:sp>
+        <p:nvSpPr>
+          <p:cNvPr id="7" name="Номер слайда 6"/>
+          <p:cNvSpPr>
+            <a:spLocks noGrp="1"/>
+          </p:cNvSpPr>
+          <p:nvPr>
+            <p:ph type="sldNum" sz="quarter" idx="5"/>
+          </p:nvPr>
+        </p:nvSpPr>
+        <p:spPr>
+          <a:xfrm>
+            <a:off x="3884613" y="8685213"/>
+            <a:ext cx="2971800" cy="458787"/>
+          </a:xfrm>
+          <a:prstGeom prst="rect">
+            <a:avLst/>
+          </a:prstGeom>
+        </p:spPr>
+        <p:txBody>
+          <a:bodyPr vert="horz" lIns="91440" tIns="45720" rIns="91440" bIns="45720" rtlCol="0" anchor="b"/>
+          <a:lstStyle>
+            <a:lvl1pPr algn="r">
+              <a:defRPr sz="1200"/>
+            </a:lvl1pPr>
+          </a:lstStyle>
+          <a:p>
+            <a:fld id="{5FB3C3B4-8431-4CDE-B46B-77D6D4D33479}" type="slidenum">
+              <a:rPr lang="ru-RU" smtClean="0"/>
+              <a:t>‹#›</a:t>
+            </a:fld>
+            <a:endParaRPr lang="ru-RU"/>
+          </a:p>
+        </p:txBody>
+      </p:sp>
+    </p:spTree>
+    <p:extLst>
+      <p:ext uri="{BB962C8B-B14F-4D97-AF65-F5344CB8AC3E}">
+        <p14:creationId xmlns:p14="http://schemas.microsoft.com/office/powerpoint/2010/main" val="3004355546"/>
+      </p:ext>
+    </p:extLst>
+  </p:cSld>
+  <p:clrMap bg1="lt1" tx1="dk1" bg2="lt2" tx2="dk2" accent1="accent1" accent2="accent2" accent3="accent3" accent4="accent4" accent5="accent5" accent6="accent6" hlink="hlink" folHlink="folHlink"/>
+  <p:notesStyle>
+    <a:lvl1pPr marL="0" algn="l" defTabSz="914400" rtl="0" eaLnBrk="1" latinLnBrk="0" hangingPunct="1">
+      <a:defRPr sz="1200" kern="1200">
+        <a:solidFill>
+          <a:schemeClr val="tx1"/>
+        </a:solidFill>
+        <a:latin typeface="+mn-lt"/>
+        <a:ea typeface="+mn-ea"/>
+        <a:cs typeface="+mn-cs"/>
+      </a:defRPr>
+    </a:lvl1pPr>
+    <a:lvl2pPr marL="457200" algn="l" defTabSz="914400" rtl="0" eaLnBrk="1" latinLnBrk="0" hangingPunct="1">
+      <a:defRPr sz="1200" kern="1200">
+        <a:solidFill>
+          <a:schemeClr val="tx1"/>
+        </a:solidFill>
+        <a:latin typeface="+mn-lt"/>
+        <a:ea typeface="+mn-ea"/>
+        <a:cs typeface="+mn-cs"/>
+      </a:defRPr>
+    </a:lvl2pPr>
+    <a:lvl3pPr marL="914400" algn="l" defTabSz="914400" rtl="0" eaLnBrk="1" latinLnBrk="0" hangingPunct="1">
+      <a:defRPr sz="1200" kern="1200">
+        <a:solidFill>
+          <a:schemeClr val="tx1"/>
+        </a:solidFill>
+        <a:latin typeface="+mn-lt"/>
+        <a:ea typeface="+mn-ea"/>
+        <a:cs typeface="+mn-cs"/>
+      </a:defRPr>
+    </a:lvl3pPr>
+    <a:lvl4pPr marL="1371600" algn="l" defTabSz="914400" rtl="0" eaLnBrk="1" latinLnBrk="0" hangingPunct="1">
+      <a:defRPr sz="1200" kern="1200">
+        <a:solidFill>
+          <a:schemeClr val="tx1"/>
+        </a:solidFill>
+        <a:latin typeface="+mn-lt"/>
+        <a:ea typeface="+mn-ea"/>
+        <a:cs typeface="+mn-cs"/>
+      </a:defRPr>
+    </a:lvl4pPr>
+    <a:lvl5pPr marL="1828800" algn="l" defTabSz="914400" rtl="0" eaLnBrk="1" latinLnBrk="0" hangingPunct="1">
+      <a:defRPr sz="1200" kern="1200">
+        <a:solidFill>
+          <a:schemeClr val="tx1"/>
+        </a:solidFill>
+        <a:latin typeface="+mn-lt"/>
+        <a:ea typeface="+mn-ea"/>
+        <a:cs typeface="+mn-cs"/>
+      </a:defRPr>
+    </a:lvl5pPr>
+    <a:lvl6pPr marL="2286000" algn="l" defTabSz="914400" rtl="0" eaLnBrk="1" latinLnBrk="0" hangingPunct="1">
+      <a:defRPr sz="1200" kern="1200">
+        <a:solidFill>
+          <a:schemeClr val="tx1"/>
+        </a:solidFill>
+        <a:latin typeface="+mn-lt"/>
+        <a:ea typeface="+mn-ea"/>
+        <a:cs typeface="+mn-cs"/>
+      </a:defRPr>
+    </a:lvl6pPr>
+    <a:lvl7pPr marL="2743200" algn="l" defTabSz="914400" rtl="0" eaLnBrk="1" latinLnBrk="0" hangingPunct="1">
+      <a:defRPr sz="1200" kern="1200">
+        <a:solidFill>
+          <a:schemeClr val="tx1"/>
+        </a:solidFill>
+        <a:latin typeface="+mn-lt"/>
+        <a:ea typeface="+mn-ea"/>
+        <a:cs typeface="+mn-cs"/>
+      </a:defRPr>
+    </a:lvl7pPr>
+    <a:lvl8pPr marL="3200400" algn="l" defTabSz="914400" rtl="0" eaLnBrk="1" latinLnBrk="0" hangingPunct="1">
+      <a:defRPr sz="1200" kern="1200">
+        <a:solidFill>
+          <a:schemeClr val="tx1"/>
+        </a:solidFill>
+        <a:latin typeface="+mn-lt"/>
+        <a:ea typeface="+mn-ea"/>
+        <a:cs typeface="+mn-cs"/>
+      </a:defRPr>
+    </a:lvl8pPr>
+    <a:lvl9pPr marL="3657600" algn="l" defTabSz="914400" rtl="0" eaLnBrk="1" latinLnBrk="0" hangingPunct="1">
+      <a:defRPr sz="1200" kern="1200">
+        <a:solidFill>
+          <a:schemeClr val="tx1"/>
+        </a:solidFill>
+        <a:latin typeface="+mn-lt"/>
+        <a:ea typeface="+mn-ea"/>
+        <a:cs typeface="+mn-cs"/>
+      </a:defRPr>
+    </a:lvl9pPr>
+  </p:notesStyle>
+</p:notesMaster>
+</file>
+
 <file path=ppt/slideLayouts/slideLayout1.xml><?xml version="1.0" encoding="utf-8"?>
 <p:sldLayout xmlns:a="http://schemas.openxmlformats.org/drawingml/2006/main" xmlns:r="http://schemas.openxmlformats.org/officeDocument/2006/relationships" xmlns:p="http://schemas.openxmlformats.org/presentationml/2006/main" showMasterSp="0" type="title" preserve="1">
   <p:cSld name="Title Slide">
@@ -302,9 +655,8 @@
             </a:lvl1pPr>
           </a:lstStyle>
           <a:p>
-            <a:fld id="{87DE6118-2437-4B30-8E3C-4D2BE6020583}" type="datetimeFigureOut">
-              <a:rPr lang="en-US" dirty="0"/>
-              <a:pPr/>
+            <a:fld id="{8EDC6886-0745-4D1A-A30D-F0824286FB9A}" type="datetime1">
+              <a:rPr lang="en-US" smtClean="0"/>
               <a:t>12/28/2020</a:t>
             </a:fld>
             <a:endParaRPr lang="en-US" dirty="0"/>
@@ -629,8 +981,8 @@
           <a:bodyPr/>
           <a:lstStyle/>
           <a:p>
-            <a:fld id="{87DE6118-2437-4B30-8E3C-4D2BE6020583}" type="datetimeFigureOut">
-              <a:rPr lang="en-US" dirty="0"/>
+            <a:fld id="{64E7A7ED-4F51-438E-95FA-3E78A566CC3F}" type="datetime1">
+              <a:rPr lang="en-US" smtClean="0"/>
               <a:t>12/28/2020</a:t>
             </a:fld>
             <a:endParaRPr lang="en-US" dirty="0"/>
@@ -804,8 +1156,8 @@
           <a:bodyPr/>
           <a:lstStyle/>
           <a:p>
-            <a:fld id="{87DE6118-2437-4B30-8E3C-4D2BE6020583}" type="datetimeFigureOut">
-              <a:rPr lang="en-US" dirty="0"/>
+            <a:fld id="{A5EAF24B-6DFC-43C0-9662-425F809B7D26}" type="datetime1">
+              <a:rPr lang="en-US" smtClean="0"/>
               <a:t>12/28/2020</a:t>
             </a:fld>
             <a:endParaRPr lang="en-US" dirty="0"/>
@@ -969,8 +1321,8 @@
           <a:bodyPr/>
           <a:lstStyle/>
           <a:p>
-            <a:fld id="{87DE6118-2437-4B30-8E3C-4D2BE6020583}" type="datetimeFigureOut">
-              <a:rPr lang="en-US" dirty="0"/>
+            <a:fld id="{6B71E998-7D46-4A74-A721-7378142B96A5}" type="datetime1">
+              <a:rPr lang="en-US" smtClean="0"/>
               <a:t>12/28/2020</a:t>
             </a:fld>
             <a:endParaRPr lang="en-US" dirty="0"/>
@@ -1241,9 +1593,8 @@
             </a:lvl1pPr>
           </a:lstStyle>
           <a:p>
-            <a:fld id="{87DE6118-2437-4B30-8E3C-4D2BE6020583}" type="datetimeFigureOut">
-              <a:rPr lang="en-US" dirty="0"/>
-              <a:pPr/>
+            <a:fld id="{AD91131A-0293-4425-BD30-DA37CD08E3AE}" type="datetime1">
+              <a:rPr lang="en-US" smtClean="0"/>
               <a:t>12/28/2020</a:t>
             </a:fld>
             <a:endParaRPr lang="en-US" dirty="0"/>
@@ -1632,8 +1983,8 @@
           <a:bodyPr/>
           <a:lstStyle/>
           <a:p>
-            <a:fld id="{87DE6118-2437-4B30-8E3C-4D2BE6020583}" type="datetimeFigureOut">
-              <a:rPr lang="en-US" dirty="0"/>
+            <a:fld id="{6FFB1BA1-BDD9-4917-AD52-CD242EA3C546}" type="datetime1">
+              <a:rPr lang="en-US" smtClean="0"/>
               <a:t>12/28/2020</a:t>
             </a:fld>
             <a:endParaRPr lang="en-US" dirty="0"/>
@@ -2104,8 +2455,8 @@
           <a:bodyPr/>
           <a:lstStyle/>
           <a:p>
-            <a:fld id="{87DE6118-2437-4B30-8E3C-4D2BE6020583}" type="datetimeFigureOut">
-              <a:rPr lang="en-US" dirty="0"/>
+            <a:fld id="{94C7CFB0-7DFD-4CF1-910C-6404CFA2B834}" type="datetime1">
+              <a:rPr lang="en-US" smtClean="0"/>
               <a:t>12/28/2020</a:t>
             </a:fld>
             <a:endParaRPr lang="en-US" dirty="0"/>
@@ -2217,8 +2568,8 @@
           <a:bodyPr/>
           <a:lstStyle/>
           <a:p>
-            <a:fld id="{87DE6118-2437-4B30-8E3C-4D2BE6020583}" type="datetimeFigureOut">
-              <a:rPr lang="en-US" dirty="0"/>
+            <a:fld id="{31BF85DD-30AE-44D9-AD57-D0C209A8AF6A}" type="datetime1">
+              <a:rPr lang="en-US" smtClean="0"/>
               <a:t>12/28/2020</a:t>
             </a:fld>
             <a:endParaRPr lang="en-US" dirty="0"/>
@@ -2307,8 +2658,8 @@
           <a:bodyPr/>
           <a:lstStyle/>
           <a:p>
-            <a:fld id="{87DE6118-2437-4B30-8E3C-4D2BE6020583}" type="datetimeFigureOut">
-              <a:rPr lang="en-US" dirty="0"/>
+            <a:fld id="{9FC74A22-8233-4943-9D42-4E5F5AB3481F}" type="datetime1">
+              <a:rPr lang="en-US" smtClean="0"/>
               <a:t>12/28/2020</a:t>
             </a:fld>
             <a:endParaRPr lang="en-US" dirty="0"/>
@@ -2648,9 +2999,8 @@
             </a:lvl1pPr>
           </a:lstStyle>
           <a:p>
-            <a:fld id="{87DE6118-2437-4B30-8E3C-4D2BE6020583}" type="datetimeFigureOut">
-              <a:rPr lang="en-US" dirty="0"/>
-              <a:pPr/>
+            <a:fld id="{6FEEDAB2-236C-4BF2-913B-A32E8D9EF500}" type="datetime1">
+              <a:rPr lang="en-US" smtClean="0"/>
               <a:t>12/28/2020</a:t>
             </a:fld>
             <a:endParaRPr lang="en-US" dirty="0"/>
@@ -3033,9 +3383,8 @@
             </a:lvl1pPr>
           </a:lstStyle>
           <a:p>
-            <a:fld id="{87DE6118-2437-4B30-8E3C-4D2BE6020583}" type="datetimeFigureOut">
-              <a:rPr lang="en-US" dirty="0"/>
-              <a:pPr/>
+            <a:fld id="{DBD0A210-B45C-4B17-9087-E41DE54FAAD8}" type="datetime1">
+              <a:rPr lang="en-US" smtClean="0"/>
               <a:t>12/28/2020</a:t>
             </a:fld>
             <a:endParaRPr lang="en-US" dirty="0"/>
@@ -3308,9 +3657,8 @@
             </a:lvl1pPr>
           </a:lstStyle>
           <a:p>
-            <a:fld id="{87DE6118-2437-4B30-8E3C-4D2BE6020583}" type="datetimeFigureOut">
-              <a:rPr lang="en-US" dirty="0"/>
-              <a:pPr/>
+            <a:fld id="{8F2B9B74-D886-4B8D-8D15-D1DC62F900CC}" type="datetime1">
+              <a:rPr lang="en-US" smtClean="0"/>
               <a:t>12/28/2020</a:t>
             </a:fld>
             <a:endParaRPr lang="en-US" dirty="0"/>
@@ -3446,6 +3794,7 @@
     <p:sldLayoutId id="2147483658" r:id="rId10"/>
     <p:sldLayoutId id="2147483659" r:id="rId11"/>
   </p:sldLayoutIdLst>
+  <p:hf hdr="0" ftr="0" dt="0"/>
   <p:txStyles>
     <p:titleStyle>
       <a:lvl1pPr algn="l" defTabSz="914400" rtl="0" eaLnBrk="1" latinLnBrk="0" hangingPunct="1">
@@ -3753,7 +4102,7 @@
       </a:lvl9pPr>
     </p:otherStyle>
   </p:txStyles>
-  <p:extLst>
+  <p:extLst mod="1">
     <p:ext uri="{27BBF7A9-308A-43DC-89C8-2F10F3537804}">
       <p15:sldGuideLst xmlns:p15="http://schemas.microsoft.com/office/powerpoint/2012/main">
         <p15:guide id="3" orient="horz" pos="1368">
@@ -3869,17 +4218,17 @@
         </p:nvSpPr>
         <p:spPr>
           <a:xfrm>
-            <a:off x="3630165" y="3938350"/>
-            <a:ext cx="6831673" cy="1086237"/>
+            <a:off x="6490252" y="3938350"/>
+            <a:ext cx="3971586" cy="1086237"/>
           </a:xfrm>
         </p:spPr>
         <p:txBody>
           <a:bodyPr vert="horz" lIns="91440" tIns="45720" rIns="91440" bIns="45720" rtlCol="0" anchor="t">
-            <a:normAutofit fontScale="70000" lnSpcReduction="20000"/>
+            <a:normAutofit fontScale="62500" lnSpcReduction="20000"/>
           </a:bodyPr>
           <a:lstStyle/>
           <a:p>
-            <a:pPr algn="r"/>
+            <a:pPr algn="l"/>
             <a:r>
               <a:rPr lang="en-US" dirty="0" err="1"/>
               <a:t>Выполнил</a:t>
@@ -3901,13 +4250,25 @@
               <a:t>4 </a:t>
             </a:r>
             <a:r>
-              <a:rPr lang="en-US" dirty="0" err="1"/>
+              <a:rPr lang="en-US" dirty="0" err="1" smtClean="0"/>
               <a:t>курса</a:t>
             </a:r>
-            <a:endParaRPr lang="ru-RU" dirty="0" err="1"/>
-          </a:p>
-          <a:p>
-            <a:pPr algn="r"/>
+            <a:r>
+              <a:rPr lang="ru-RU" dirty="0" smtClean="0"/>
+              <a:t> </a:t>
+            </a:r>
+            <a:r>
+              <a:rPr lang="en-US" dirty="0" smtClean="0"/>
+              <a:t>4 </a:t>
+            </a:r>
+            <a:r>
+              <a:rPr lang="ru-RU" dirty="0" smtClean="0"/>
+              <a:t>группы</a:t>
+            </a:r>
+            <a:endParaRPr lang="ru-RU" dirty="0"/>
+          </a:p>
+          <a:p>
+            <a:pPr algn="l"/>
             <a:r>
               <a:rPr lang="en-US" dirty="0" err="1"/>
               <a:t>Барковский</a:t>
@@ -3930,7 +4291,7 @@
             </a:r>
           </a:p>
           <a:p>
-            <a:pPr algn="r"/>
+            <a:pPr algn="l"/>
             <a:r>
               <a:rPr lang="en-US" dirty="0" err="1"/>
               <a:t>Научный</a:t>
@@ -3948,45 +4309,62 @@
               <a:t>: </a:t>
             </a:r>
             <a:r>
-              <a:rPr lang="en-US" dirty="0" err="1">
+              <a:rPr lang="ru-RU" dirty="0" smtClean="0">
                 <a:ea typeface="+mn-lt"/>
                 <a:cs typeface="+mn-lt"/>
               </a:rPr>
-              <a:t>ассистент</a:t>
-            </a:r>
-            <a:r>
-              <a:rPr lang="en-US" dirty="0">
+              <a:t>ст. преподаватель</a:t>
+            </a:r>
+            <a:r>
+              <a:rPr lang="en-US" dirty="0" smtClean="0">
                 <a:ea typeface="+mn-lt"/>
                 <a:cs typeface="+mn-lt"/>
               </a:rPr>
               <a:t> </a:t>
             </a:r>
             <a:r>
-              <a:rPr lang="en-US" dirty="0" err="1">
+              <a:rPr lang="ru-RU" dirty="0" smtClean="0">
+                <a:ea typeface="+mn-lt"/>
+                <a:cs typeface="+mn-lt"/>
+              </a:rPr>
+              <a:t/>
+            </a:r>
+            <a:br>
+              <a:rPr lang="ru-RU" dirty="0" smtClean="0">
+                <a:ea typeface="+mn-lt"/>
+                <a:cs typeface="+mn-lt"/>
+              </a:rPr>
+            </a:br>
+            <a:r>
+              <a:rPr lang="en-US" dirty="0" err="1" smtClean="0">
                 <a:ea typeface="+mn-lt"/>
                 <a:cs typeface="+mn-lt"/>
               </a:rPr>
               <a:t>кафедры</a:t>
             </a:r>
             <a:r>
-              <a:rPr lang="en-US" dirty="0">
+              <a:rPr lang="en-US" dirty="0" smtClean="0">
                 <a:ea typeface="+mn-lt"/>
                 <a:cs typeface="+mn-lt"/>
               </a:rPr>
               <a:t> </a:t>
             </a:r>
-          </a:p>
-          <a:p>
-            <a:pPr algn="r"/>
-            <a:r>
-              <a:rPr lang="en-US" dirty="0" err="1">
+            <a:r>
+              <a:rPr lang="ru-RU" dirty="0" smtClean="0">
+                <a:ea typeface="+mn-lt"/>
+                <a:cs typeface="+mn-lt"/>
+              </a:rPr>
+              <a:t> </a:t>
+            </a:r>
+            <a:r>
+              <a:rPr lang="en-US" dirty="0" err="1" smtClean="0">
                 <a:ea typeface="+mn-lt"/>
                 <a:cs typeface="+mn-lt"/>
               </a:rPr>
               <a:t>ИиКС</a:t>
             </a:r>
             <a:r>
-              <a:rPr lang="en-US" dirty="0">
+              <a:rPr lang="en-US" dirty="0" smtClean="0">
                 <a:ea typeface="+mn-lt"/>
                 <a:cs typeface="+mn-lt"/>
               </a:rPr>
@@ -4004,7 +4382,34 @@
                 <a:ea typeface="+mn-lt"/>
                 <a:cs typeface="+mn-lt"/>
               </a:rPr>
-              <a:t> С.В. </a:t>
+              <a:t> </a:t>
+            </a:r>
+            <a:r>
+              <a:rPr lang="ru-RU" dirty="0" smtClean="0">
+                <a:ea typeface="+mn-lt"/>
+                <a:cs typeface="+mn-lt"/>
+              </a:rPr>
+              <a:t/>
+            </a:r>
+            <a:br>
+              <a:rPr lang="ru-RU" dirty="0" smtClean="0">
+                <a:ea typeface="+mn-lt"/>
+                <a:cs typeface="+mn-lt"/>
+              </a:rPr>
+            </a:br>
+            <a:r>
+              <a:rPr lang="en-US" dirty="0" smtClean="0">
+                <a:ea typeface="+mn-lt"/>
+                <a:cs typeface="+mn-lt"/>
+              </a:rPr>
+              <a:t>С.В</a:t>
+            </a:r>
+            <a:r>
+              <a:rPr lang="en-US" dirty="0">
+                <a:ea typeface="+mn-lt"/>
+                <a:cs typeface="+mn-lt"/>
+              </a:rPr>
+              <a:t>. </a:t>
             </a:r>
             <a:r>
               <a:rPr lang="en-US" dirty="0" err="1">
@@ -4129,6 +4534,29 @@
           </a:prstGeom>
         </p:spPr>
       </p:pic>
+      <p:sp>
+        <p:nvSpPr>
+          <p:cNvPr id="3" name="Номер слайда 2"/>
+          <p:cNvSpPr>
+            <a:spLocks noGrp="1"/>
+          </p:cNvSpPr>
+          <p:nvPr>
+            <p:ph type="sldNum" sz="quarter" idx="12"/>
+          </p:nvPr>
+        </p:nvSpPr>
+        <p:spPr/>
+        <p:txBody>
+          <a:bodyPr/>
+          <a:lstStyle/>
+          <a:p>
+            <a:fld id="{69E57DC2-970A-4B3E-BB1C-7A09969E49DF}" type="slidenum">
+              <a:rPr lang="en-US" smtClean="0"/>
+              <a:t>10</a:t>
+            </a:fld>
+            <a:endParaRPr lang="en-US" dirty="0"/>
+          </a:p>
+        </p:txBody>
+      </p:sp>
     </p:spTree>
     <p:extLst>
       <p:ext uri="{BB962C8B-B14F-4D97-AF65-F5344CB8AC3E}">
@@ -4235,6 +4663,29 @@
           </a:prstGeom>
         </p:spPr>
       </p:pic>
+      <p:sp>
+        <p:nvSpPr>
+          <p:cNvPr id="4" name="Номер слайда 3"/>
+          <p:cNvSpPr>
+            <a:spLocks noGrp="1"/>
+          </p:cNvSpPr>
+          <p:nvPr>
+            <p:ph type="sldNum" sz="quarter" idx="12"/>
+          </p:nvPr>
+        </p:nvSpPr>
+        <p:spPr/>
+        <p:txBody>
+          <a:bodyPr/>
+          <a:lstStyle/>
+          <a:p>
+            <a:fld id="{69E57DC2-970A-4B3E-BB1C-7A09969E49DF}" type="slidenum">
+              <a:rPr lang="en-US" smtClean="0"/>
+              <a:t>11</a:t>
+            </a:fld>
+            <a:endParaRPr lang="en-US" dirty="0"/>
+          </a:p>
+        </p:txBody>
+      </p:sp>
     </p:spTree>
     <p:extLst>
       <p:ext uri="{BB962C8B-B14F-4D97-AF65-F5344CB8AC3E}">
@@ -4319,6 +4770,29 @@
           </a:prstGeom>
         </p:spPr>
       </p:pic>
+      <p:sp>
+        <p:nvSpPr>
+          <p:cNvPr id="3" name="Номер слайда 2"/>
+          <p:cNvSpPr>
+            <a:spLocks noGrp="1"/>
+          </p:cNvSpPr>
+          <p:nvPr>
+            <p:ph type="sldNum" sz="quarter" idx="12"/>
+          </p:nvPr>
+        </p:nvSpPr>
+        <p:spPr/>
+        <p:txBody>
+          <a:bodyPr/>
+          <a:lstStyle/>
+          <a:p>
+            <a:fld id="{69E57DC2-970A-4B3E-BB1C-7A09969E49DF}" type="slidenum">
+              <a:rPr lang="en-US" smtClean="0"/>
+              <a:t>12</a:t>
+            </a:fld>
+            <a:endParaRPr lang="en-US" dirty="0"/>
+          </a:p>
+        </p:txBody>
+      </p:sp>
     </p:spTree>
     <p:extLst>
       <p:ext uri="{BB962C8B-B14F-4D97-AF65-F5344CB8AC3E}">
@@ -4437,6 +4911,29 @@
           </a:prstGeom>
         </p:spPr>
       </p:pic>
+      <p:sp>
+        <p:nvSpPr>
+          <p:cNvPr id="3" name="Номер слайда 2"/>
+          <p:cNvSpPr>
+            <a:spLocks noGrp="1"/>
+          </p:cNvSpPr>
+          <p:nvPr>
+            <p:ph type="sldNum" sz="quarter" idx="12"/>
+          </p:nvPr>
+        </p:nvSpPr>
+        <p:spPr/>
+        <p:txBody>
+          <a:bodyPr/>
+          <a:lstStyle/>
+          <a:p>
+            <a:fld id="{69E57DC2-970A-4B3E-BB1C-7A09969E49DF}" type="slidenum">
+              <a:rPr lang="en-US" smtClean="0"/>
+              <a:t>13</a:t>
+            </a:fld>
+            <a:endParaRPr lang="en-US" dirty="0"/>
+          </a:p>
+        </p:txBody>
+      </p:sp>
     </p:spTree>
     <p:extLst>
       <p:ext uri="{BB962C8B-B14F-4D97-AF65-F5344CB8AC3E}">
@@ -4567,6 +5064,29 @@
           </a:prstGeom>
         </p:spPr>
       </p:pic>
+      <p:sp>
+        <p:nvSpPr>
+          <p:cNvPr id="3" name="Номер слайда 2"/>
+          <p:cNvSpPr>
+            <a:spLocks noGrp="1"/>
+          </p:cNvSpPr>
+          <p:nvPr>
+            <p:ph type="sldNum" sz="quarter" idx="12"/>
+          </p:nvPr>
+        </p:nvSpPr>
+        <p:spPr/>
+        <p:txBody>
+          <a:bodyPr/>
+          <a:lstStyle/>
+          <a:p>
+            <a:fld id="{69E57DC2-970A-4B3E-BB1C-7A09969E49DF}" type="slidenum">
+              <a:rPr lang="en-US" smtClean="0"/>
+              <a:t>14</a:t>
+            </a:fld>
+            <a:endParaRPr lang="en-US" dirty="0"/>
+          </a:p>
+        </p:txBody>
+      </p:sp>
     </p:spTree>
     <p:extLst>
       <p:ext uri="{BB962C8B-B14F-4D97-AF65-F5344CB8AC3E}">
@@ -4670,7 +5190,6 @@
               <a:rPr lang="en-US" dirty="0" smtClean="0"/>
               <a:t>0.608646188850967 &lt; 1</a:t>
             </a:r>
-            <a:endParaRPr lang="en-US" dirty="0" smtClean="0"/>
           </a:p>
           <a:p>
             <a:pPr marL="383540" indent="-383540"/>
@@ -4695,6 +5214,29 @@
               <a:t>0.605473204104903 &lt; 1</a:t>
             </a:r>
             <a:endParaRPr lang="ru-RU" dirty="0"/>
+          </a:p>
+        </p:txBody>
+      </p:sp>
+      <p:sp>
+        <p:nvSpPr>
+          <p:cNvPr id="4" name="Номер слайда 3"/>
+          <p:cNvSpPr>
+            <a:spLocks noGrp="1"/>
+          </p:cNvSpPr>
+          <p:nvPr>
+            <p:ph type="sldNum" sz="quarter" idx="12"/>
+          </p:nvPr>
+        </p:nvSpPr>
+        <p:spPr/>
+        <p:txBody>
+          <a:bodyPr/>
+          <a:lstStyle/>
+          <a:p>
+            <a:fld id="{69E57DC2-970A-4B3E-BB1C-7A09969E49DF}" type="slidenum">
+              <a:rPr lang="en-US" smtClean="0"/>
+              <a:t>15</a:t>
+            </a:fld>
+            <a:endParaRPr lang="en-US" dirty="0"/>
           </a:p>
         </p:txBody>
       </p:sp>
@@ -4804,6 +5346,29 @@
           </a:p>
         </p:txBody>
       </p:sp>
+      <p:sp>
+        <p:nvSpPr>
+          <p:cNvPr id="4" name="Номер слайда 3"/>
+          <p:cNvSpPr>
+            <a:spLocks noGrp="1"/>
+          </p:cNvSpPr>
+          <p:nvPr>
+            <p:ph type="sldNum" sz="quarter" idx="12"/>
+          </p:nvPr>
+        </p:nvSpPr>
+        <p:spPr/>
+        <p:txBody>
+          <a:bodyPr/>
+          <a:lstStyle/>
+          <a:p>
+            <a:fld id="{69E57DC2-970A-4B3E-BB1C-7A09969E49DF}" type="slidenum">
+              <a:rPr lang="en-US" smtClean="0"/>
+              <a:t>16</a:t>
+            </a:fld>
+            <a:endParaRPr lang="en-US" dirty="0"/>
+          </a:p>
+        </p:txBody>
+      </p:sp>
     </p:spTree>
     <p:extLst>
       <p:ext uri="{BB962C8B-B14F-4D97-AF65-F5344CB8AC3E}">
@@ -4910,7 +5475,6 @@
               <a:rPr lang="ru-RU" dirty="0"/>
               <a:t>вычислительной эффективности алгоритмов поиска центра изображения светового пятна на светочувствительной матрице</a:t>
             </a:r>
-            <a:endParaRPr lang="ru-RU" dirty="0"/>
           </a:p>
         </p:txBody>
       </p:sp>
@@ -5223,6 +5787,29 @@
           </a:p>
         </p:txBody>
       </p:sp>
+      <p:sp>
+        <p:nvSpPr>
+          <p:cNvPr id="6" name="Номер слайда 5"/>
+          <p:cNvSpPr>
+            <a:spLocks noGrp="1"/>
+          </p:cNvSpPr>
+          <p:nvPr>
+            <p:ph type="sldNum" sz="quarter" idx="12"/>
+          </p:nvPr>
+        </p:nvSpPr>
+        <p:spPr/>
+        <p:txBody>
+          <a:bodyPr/>
+          <a:lstStyle/>
+          <a:p>
+            <a:fld id="{69E57DC2-970A-4B3E-BB1C-7A09969E49DF}" type="slidenum">
+              <a:rPr lang="en-US" smtClean="0"/>
+              <a:t>2</a:t>
+            </a:fld>
+            <a:endParaRPr lang="en-US" dirty="0"/>
+          </a:p>
+        </p:txBody>
+      </p:sp>
     </p:spTree>
     <p:extLst>
       <p:ext uri="{BB962C8B-B14F-4D97-AF65-F5344CB8AC3E}">
@@ -5528,6 +6115,29 @@
           </p:spPr>
         </p:pic>
       </p:grpSp>
+      <p:sp>
+        <p:nvSpPr>
+          <p:cNvPr id="3" name="Номер слайда 2"/>
+          <p:cNvSpPr>
+            <a:spLocks noGrp="1"/>
+          </p:cNvSpPr>
+          <p:nvPr>
+            <p:ph type="sldNum" sz="quarter" idx="12"/>
+          </p:nvPr>
+        </p:nvSpPr>
+        <p:spPr/>
+        <p:txBody>
+          <a:bodyPr/>
+          <a:lstStyle/>
+          <a:p>
+            <a:fld id="{69E57DC2-970A-4B3E-BB1C-7A09969E49DF}" type="slidenum">
+              <a:rPr lang="en-US" smtClean="0"/>
+              <a:t>3</a:t>
+            </a:fld>
+            <a:endParaRPr lang="en-US" dirty="0"/>
+          </a:p>
+        </p:txBody>
+      </p:sp>
     </p:spTree>
     <p:extLst>
       <p:ext uri="{BB962C8B-B14F-4D97-AF65-F5344CB8AC3E}">
@@ -5662,6 +6272,29 @@
           </a:prstGeom>
         </p:spPr>
       </p:pic>
+      <p:sp>
+        <p:nvSpPr>
+          <p:cNvPr id="3" name="Номер слайда 2"/>
+          <p:cNvSpPr>
+            <a:spLocks noGrp="1"/>
+          </p:cNvSpPr>
+          <p:nvPr>
+            <p:ph type="sldNum" sz="quarter" idx="12"/>
+          </p:nvPr>
+        </p:nvSpPr>
+        <p:spPr/>
+        <p:txBody>
+          <a:bodyPr/>
+          <a:lstStyle/>
+          <a:p>
+            <a:fld id="{69E57DC2-970A-4B3E-BB1C-7A09969E49DF}" type="slidenum">
+              <a:rPr lang="en-US" smtClean="0"/>
+              <a:t>4</a:t>
+            </a:fld>
+            <a:endParaRPr lang="en-US" dirty="0"/>
+          </a:p>
+        </p:txBody>
+      </p:sp>
     </p:spTree>
     <p:extLst>
       <p:ext uri="{BB962C8B-B14F-4D97-AF65-F5344CB8AC3E}">
@@ -5744,7 +6377,7 @@
                 <a16:creationId xmlns:a16="http://schemas.microsoft.com/office/drawing/2014/main" id="{B9F89C22-0475-4427-B7C8-0269AD40E3EC}"/>
               </a:ext>
               <a:ext uri="{C183D7F6-B498-43B3-948B-1728B52AA6E4}">
-                <adec:decorative xmlns:adec="http://schemas.microsoft.com/office/drawing/2017/decorative" xmlns="" val="1"/>
+                <adec:decorative xmlns="" xmlns:adec="http://schemas.microsoft.com/office/drawing/2017/decorative" val="1"/>
               </a:ext>
             </a:extLst>
           </p:cNvPr>
@@ -5916,6 +6549,29 @@
           </p:txBody>
         </p:sp>
       </p:grpSp>
+      <p:sp>
+        <p:nvSpPr>
+          <p:cNvPr id="3" name="Номер слайда 2"/>
+          <p:cNvSpPr>
+            <a:spLocks noGrp="1"/>
+          </p:cNvSpPr>
+          <p:nvPr>
+            <p:ph type="sldNum" sz="quarter" idx="12"/>
+          </p:nvPr>
+        </p:nvSpPr>
+        <p:spPr/>
+        <p:txBody>
+          <a:bodyPr/>
+          <a:lstStyle/>
+          <a:p>
+            <a:fld id="{69E57DC2-970A-4B3E-BB1C-7A09969E49DF}" type="slidenum">
+              <a:rPr lang="en-US" smtClean="0"/>
+              <a:t>5</a:t>
+            </a:fld>
+            <a:endParaRPr lang="en-US" dirty="0"/>
+          </a:p>
+        </p:txBody>
+      </p:sp>
     </p:spTree>
     <p:extLst>
       <p:ext uri="{BB962C8B-B14F-4D97-AF65-F5344CB8AC3E}">
@@ -6044,6 +6700,29 @@
               <a:ea typeface="Calibri" panose="020F0502020204030204" pitchFamily="34" charset="0"/>
               <a:cs typeface="Times New Roman" panose="02020603050405020304" pitchFamily="18" charset="0"/>
             </a:endParaRPr>
+          </a:p>
+        </p:txBody>
+      </p:sp>
+      <p:sp>
+        <p:nvSpPr>
+          <p:cNvPr id="2" name="Номер слайда 1"/>
+          <p:cNvSpPr>
+            <a:spLocks noGrp="1"/>
+          </p:cNvSpPr>
+          <p:nvPr>
+            <p:ph type="sldNum" sz="quarter" idx="12"/>
+          </p:nvPr>
+        </p:nvSpPr>
+        <p:spPr/>
+        <p:txBody>
+          <a:bodyPr/>
+          <a:lstStyle/>
+          <a:p>
+            <a:fld id="{69E57DC2-970A-4B3E-BB1C-7A09969E49DF}" type="slidenum">
+              <a:rPr lang="en-US" smtClean="0"/>
+              <a:t>6</a:t>
+            </a:fld>
+            <a:endParaRPr lang="en-US" dirty="0"/>
           </a:p>
         </p:txBody>
       </p:sp>
@@ -6228,6 +6907,29 @@
           </a:prstGeom>
         </p:spPr>
       </p:pic>
+      <p:sp>
+        <p:nvSpPr>
+          <p:cNvPr id="2" name="Номер слайда 1"/>
+          <p:cNvSpPr>
+            <a:spLocks noGrp="1"/>
+          </p:cNvSpPr>
+          <p:nvPr>
+            <p:ph type="sldNum" sz="quarter" idx="12"/>
+          </p:nvPr>
+        </p:nvSpPr>
+        <p:spPr/>
+        <p:txBody>
+          <a:bodyPr/>
+          <a:lstStyle/>
+          <a:p>
+            <a:fld id="{69E57DC2-970A-4B3E-BB1C-7A09969E49DF}" type="slidenum">
+              <a:rPr lang="en-US" smtClean="0"/>
+              <a:t>7</a:t>
+            </a:fld>
+            <a:endParaRPr lang="en-US" dirty="0"/>
+          </a:p>
+        </p:txBody>
+      </p:sp>
     </p:spTree>
     <p:extLst>
       <p:ext uri="{BB962C8B-B14F-4D97-AF65-F5344CB8AC3E}">
@@ -6677,6 +7379,29 @@
           </a:p>
         </p:txBody>
       </p:sp>
+      <p:sp>
+        <p:nvSpPr>
+          <p:cNvPr id="2" name="Номер слайда 1"/>
+          <p:cNvSpPr>
+            <a:spLocks noGrp="1"/>
+          </p:cNvSpPr>
+          <p:nvPr>
+            <p:ph type="sldNum" sz="quarter" idx="12"/>
+          </p:nvPr>
+        </p:nvSpPr>
+        <p:spPr/>
+        <p:txBody>
+          <a:bodyPr/>
+          <a:lstStyle/>
+          <a:p>
+            <a:fld id="{69E57DC2-970A-4B3E-BB1C-7A09969E49DF}" type="slidenum">
+              <a:rPr lang="en-US" smtClean="0"/>
+              <a:t>8</a:t>
+            </a:fld>
+            <a:endParaRPr lang="en-US" dirty="0"/>
+          </a:p>
+        </p:txBody>
+      </p:sp>
     </p:spTree>
     <p:extLst>
       <p:ext uri="{BB962C8B-B14F-4D97-AF65-F5344CB8AC3E}">
@@ -6761,6 +7486,29 @@
           </a:prstGeom>
         </p:spPr>
       </p:pic>
+      <p:sp>
+        <p:nvSpPr>
+          <p:cNvPr id="2" name="Номер слайда 1"/>
+          <p:cNvSpPr>
+            <a:spLocks noGrp="1"/>
+          </p:cNvSpPr>
+          <p:nvPr>
+            <p:ph type="sldNum" sz="quarter" idx="12"/>
+          </p:nvPr>
+        </p:nvSpPr>
+        <p:spPr/>
+        <p:txBody>
+          <a:bodyPr/>
+          <a:lstStyle/>
+          <a:p>
+            <a:fld id="{69E57DC2-970A-4B3E-BB1C-7A09969E49DF}" type="slidenum">
+              <a:rPr lang="en-US" smtClean="0"/>
+              <a:t>9</a:t>
+            </a:fld>
+            <a:endParaRPr lang="en-US" dirty="0"/>
+          </a:p>
+        </p:txBody>
+      </p:sp>
     </p:spTree>
     <p:extLst>
       <p:ext uri="{BB962C8B-B14F-4D97-AF65-F5344CB8AC3E}">
@@ -7030,4 +7778,265 @@
     </a:ext>
   </a:extLst>
 </a:theme>
+</file>
+
+<file path=ppt/theme/theme2.xml><?xml version="1.0" encoding="utf-8"?>
+<a:theme xmlns:a="http://schemas.openxmlformats.org/drawingml/2006/main" name="Тема Office">
+  <a:themeElements>
+    <a:clrScheme name="Стандартная">
+      <a:dk1>
+        <a:sysClr val="windowText" lastClr="000000"/>
+      </a:dk1>
+      <a:lt1>
+        <a:sysClr val="window" lastClr="FFFFFF"/>
+      </a:lt1>
+      <a:dk2>
+        <a:srgbClr val="44546A"/>
+      </a:dk2>
+      <a:lt2>
+        <a:srgbClr val="E7E6E6"/>
+      </a:lt2>
+      <a:accent1>
+        <a:srgbClr val="5B9BD5"/>
+      </a:accent1>
+      <a:accent2>
+        <a:srgbClr val="ED7D31"/>
+      </a:accent2>
+      <a:accent3>
+        <a:srgbClr val="A5A5A5"/>
+      </a:accent3>
+      <a:accent4>
+        <a:srgbClr val="FFC000"/>
+      </a:accent4>
+      <a:accent5>
+        <a:srgbClr val="4472C4"/>
+      </a:accent5>
+      <a:accent6>
+        <a:srgbClr val="70AD47"/>
+      </a:accent6>
+      <a:hlink>
+        <a:srgbClr val="0563C1"/>
+      </a:hlink>
+      <a:folHlink>
+        <a:srgbClr val="954F72"/>
+      </a:folHlink>
+    </a:clrScheme>
+    <a:fontScheme name="Стандартная">
+      <a:majorFont>
+        <a:latin typeface="Calibri Light" panose="020F0302020204030204"/>
+        <a:ea typeface=""/>
+        <a:cs typeface=""/>
+        <a:font script="Jpan" typeface="游ゴシック Light"/>
+        <a:font script="Hang" typeface="맑은 고딕"/>
+        <a:font script="Hans" typeface="等线 Light"/>
+        <a:font script="Hant" typeface="新細明體"/>
+        <a:font script="Arab" typeface="Times New Roman"/>
+        <a:font script="Hebr" typeface="Times New Roman"/>
+        <a:font script="Thai" typeface="Angsana New"/>
+        <a:font script="Ethi" typeface="Nyala"/>
+        <a:font script="Beng" typeface="Vrinda"/>
+        <a:font script="Gujr" typeface="Shruti"/>
+        <a:font script="Khmr" typeface="MoolBoran"/>
+        <a:font script="Knda" typeface="Tunga"/>
+        <a:font script="Guru" typeface="Raavi"/>
+        <a:font script="Cans" typeface="Euphemia"/>
+        <a:font script="Cher" typeface="Plantagenet Cherokee"/>
+        <a:font script="Yiii" typeface="Microsoft Yi Baiti"/>
+        <a:font script="Tibt" typeface="Microsoft Himalaya"/>
+        <a:font script="Thaa" typeface="MV Boli"/>
+        <a:font script="Deva" typeface="Mangal"/>
+        <a:font script="Telu" typeface="Gautami"/>
+        <a:font script="Taml" typeface="Latha"/>
+        <a:font script="Syrc" typeface="Estrangelo Edessa"/>
+        <a:font script="Orya" typeface="Kalinga"/>
+        <a:font script="Mlym" typeface="Kartika"/>
+        <a:font script="Laoo" typeface="DokChampa"/>
+        <a:font script="Sinh" typeface="Iskoola Pota"/>
+        <a:font script="Mong" typeface="Mongolian Baiti"/>
+        <a:font script="Viet" typeface="Times New Roman"/>
+        <a:font script="Uigh" typeface="Microsoft Uighur"/>
+        <a:font script="Geor" typeface="Sylfaen"/>
+      </a:majorFont>
+      <a:minorFont>
+        <a:latin typeface="Calibri" panose="020F0502020204030204"/>
+        <a:ea typeface=""/>
+        <a:cs typeface=""/>
+        <a:font script="Jpan" typeface="游ゴシック"/>
+        <a:font script="Hang" typeface="맑은 고딕"/>
+        <a:font script="Hans" typeface="等线"/>
+        <a:font script="Hant" typeface="新細明體"/>
+        <a:font script="Arab" typeface="Arial"/>
+        <a:font script="Hebr" typeface="Arial"/>
+        <a:font script="Thai" typeface="Cordia New"/>
+        <a:font script="Ethi" typeface="Nyala"/>
+        <a:font script="Beng" typeface="Vrinda"/>
+        <a:font script="Gujr" typeface="Shruti"/>
+        <a:font script="Khmr" typeface="DaunPenh"/>
+        <a:font script="Knda" typeface="Tunga"/>
+        <a:font script="Guru" typeface="Raavi"/>
+        <a:font script="Cans" typeface="Euphemia"/>
+        <a:font script="Cher" typeface="Plantagenet Cherokee"/>
+        <a:font script="Yiii" typeface="Microsoft Yi Baiti"/>
+        <a:font script="Tibt" typeface="Microsoft Himalaya"/>
+        <a:font script="Thaa" typeface="MV Boli"/>
+        <a:font script="Deva" typeface="Mangal"/>
+        <a:font script="Telu" typeface="Gautami"/>
+        <a:font script="Taml" typeface="Latha"/>
+        <a:font script="Syrc" typeface="Estrangelo Edessa"/>
+        <a:font script="Orya" typeface="Kalinga"/>
+        <a:font script="Mlym" typeface="Kartika"/>
+        <a:font script="Laoo" typeface="DokChampa"/>
+        <a:font script="Sinh" typeface="Iskoola Pota"/>
+        <a:font script="Mong" typeface="Mongolian Baiti"/>
+        <a:font script="Viet" typeface="Arial"/>
+        <a:font script="Uigh" typeface="Microsoft Uighur"/>
+        <a:font script="Geor" typeface="Sylfaen"/>
+      </a:minorFont>
+    </a:fontScheme>
+    <a:fmtScheme name="Стандартная">
+      <a:fillStyleLst>
+        <a:solidFill>
+          <a:schemeClr val="phClr"/>
+        </a:solidFill>
+        <a:gradFill rotWithShape="1">
+          <a:gsLst>
+            <a:gs pos="0">
+              <a:schemeClr val="phClr">
+                <a:lumMod val="110000"/>
+                <a:satMod val="105000"/>
+                <a:tint val="67000"/>
+              </a:schemeClr>
+            </a:gs>
+            <a:gs pos="50000">
+              <a:schemeClr val="phClr">
+                <a:lumMod val="105000"/>
+                <a:satMod val="103000"/>
+                <a:tint val="73000"/>
+              </a:schemeClr>
+            </a:gs>
+            <a:gs pos="100000">
+              <a:schemeClr val="phClr">
+                <a:lumMod val="105000"/>
+                <a:satMod val="109000"/>
+                <a:tint val="81000"/>
+              </a:schemeClr>
+            </a:gs>
+          </a:gsLst>
+          <a:lin ang="5400000" scaled="0"/>
+        </a:gradFill>
+        <a:gradFill rotWithShape="1">
+          <a:gsLst>
+            <a:gs pos="0">
+              <a:schemeClr val="phClr">
+                <a:satMod val="103000"/>
+                <a:lumMod val="102000"/>
+                <a:tint val="94000"/>
+              </a:schemeClr>
+            </a:gs>
+            <a:gs pos="50000">
+              <a:schemeClr val="phClr">
+                <a:satMod val="110000"/>
+                <a:lumMod val="100000"/>
+                <a:shade val="100000"/>
+              </a:schemeClr>
+            </a:gs>
+            <a:gs pos="100000">
+              <a:schemeClr val="phClr">
+                <a:lumMod val="99000"/>
+                <a:satMod val="120000"/>
+                <a:shade val="78000"/>
+              </a:schemeClr>
+            </a:gs>
+          </a:gsLst>
+          <a:lin ang="5400000" scaled="0"/>
+        </a:gradFill>
+      </a:fillStyleLst>
+      <a:lnStyleLst>
+        <a:ln w="6350" cap="flat" cmpd="sng" algn="ctr">
+          <a:solidFill>
+            <a:schemeClr val="phClr"/>
+          </a:solidFill>
+          <a:prstDash val="solid"/>
+          <a:miter lim="800000"/>
+        </a:ln>
+        <a:ln w="12700" cap="flat" cmpd="sng" algn="ctr">
+          <a:solidFill>
+            <a:schemeClr val="phClr"/>
+          </a:solidFill>
+          <a:prstDash val="solid"/>
+          <a:miter lim="800000"/>
+        </a:ln>
+        <a:ln w="19050" cap="flat" cmpd="sng" algn="ctr">
+          <a:solidFill>
+            <a:schemeClr val="phClr"/>
+          </a:solidFill>
+          <a:prstDash val="solid"/>
+          <a:miter lim="800000"/>
+        </a:ln>
+      </a:lnStyleLst>
+      <a:effectStyleLst>
+        <a:effectStyle>
+          <a:effectLst/>
+        </a:effectStyle>
+        <a:effectStyle>
+          <a:effectLst/>
+        </a:effectStyle>
+        <a:effectStyle>
+          <a:effectLst>
+            <a:outerShdw blurRad="57150" dist="19050" dir="5400000" algn="ctr" rotWithShape="0">
+              <a:srgbClr val="000000">
+                <a:alpha val="63000"/>
+              </a:srgbClr>
+            </a:outerShdw>
+          </a:effectLst>
+        </a:effectStyle>
+      </a:effectStyleLst>
+      <a:bgFillStyleLst>
+        <a:solidFill>
+          <a:schemeClr val="phClr"/>
+        </a:solidFill>
+        <a:solidFill>
+          <a:schemeClr val="phClr">
+            <a:tint val="95000"/>
+            <a:satMod val="170000"/>
+          </a:schemeClr>
+        </a:solidFill>
+        <a:gradFill rotWithShape="1">
+          <a:gsLst>
+            <a:gs pos="0">
+              <a:schemeClr val="phClr">
+                <a:tint val="93000"/>
+                <a:satMod val="150000"/>
+                <a:shade val="98000"/>
+                <a:lumMod val="102000"/>
+              </a:schemeClr>
+            </a:gs>
+            <a:gs pos="50000">
+              <a:schemeClr val="phClr">
+                <a:tint val="98000"/>
+                <a:satMod val="130000"/>
+                <a:shade val="90000"/>
+                <a:lumMod val="103000"/>
+              </a:schemeClr>
+            </a:gs>
+            <a:gs pos="100000">
+              <a:schemeClr val="phClr">
+                <a:shade val="63000"/>
+                <a:satMod val="120000"/>
+              </a:schemeClr>
+            </a:gs>
+          </a:gsLst>
+          <a:lin ang="5400000" scaled="0"/>
+        </a:gradFill>
+      </a:bgFillStyleLst>
+    </a:fmtScheme>
+  </a:themeElements>
+  <a:objectDefaults/>
+  <a:extraClrSchemeLst/>
+  <a:extLst>
+    <a:ext uri="{05A4C25C-085E-4340-85A3-A5531E510DB2}">
+      <thm15:themeFamily xmlns:thm15="http://schemas.microsoft.com/office/thememl/2012/main" name="Office Theme" id="{62F939B6-93AF-4DB8-9C6B-D6C7DFDC589F}" vid="{4A3C46E8-61CC-4603-A589-7422A47A8E4A}"/>
+    </a:ext>
+  </a:extLst>
+</a:theme>
 </file>